--- a/Insights.pptx
+++ b/Insights.pptx
@@ -15,16 +15,18 @@
     <p:sldId id="260" r:id="rId10"/>
     <p:sldId id="261" r:id="rId11"/>
     <p:sldId id="262" r:id="rId12"/>
+    <p:sldId id="263" r:id="rId13"/>
+    <p:sldId id="264" r:id="rId14"/>
   </p:sldIdLst>
   <p:sldSz cy="5143500" cx="9144000"/>
   <p:notesSz cx="6858000" cy="9144000"/>
   <p:embeddedFontLst>
     <p:embeddedFont>
       <p:font typeface="Roboto"/>
-      <p:regular r:id="rId13"/>
-      <p:bold r:id="rId14"/>
-      <p:italic r:id="rId15"/>
-      <p:boldItalic r:id="rId16"/>
+      <p:regular r:id="rId15"/>
+      <p:bold r:id="rId16"/>
+      <p:italic r:id="rId17"/>
+      <p:boldItalic r:id="rId18"/>
     </p:embeddedFont>
   </p:embeddedFontLst>
   <p:defaultTextStyle>
@@ -805,7 +807,7 @@
   <p:cSld>
     <p:spTree>
       <p:nvGrpSpPr>
-        <p:cNvPr id="56" name="Shape 56"/>
+        <p:cNvPr id="57" name="Shape 57"/>
         <p:cNvGrpSpPr/>
         <p:nvPr/>
       </p:nvGrpSpPr>
@@ -819,7 +821,7 @@
       </p:grpSpPr>
       <p:sp>
         <p:nvSpPr>
-          <p:cNvPr id="57" name="Google Shape;57;g2a9c1d33c41_0_47:notes"/>
+          <p:cNvPr id="58" name="Google Shape;58;g2a9c1d33c41_0_88:notes"/>
           <p:cNvSpPr/>
           <p:nvPr>
             <p:ph idx="2" type="sldImg"/>
@@ -854,7 +856,7 @@
       </p:sp>
       <p:sp>
         <p:nvSpPr>
-          <p:cNvPr id="58" name="Google Shape;58;g2a9c1d33c41_0_47:notes"/>
+          <p:cNvPr id="59" name="Google Shape;59;g2a9c1d33c41_0_88:notes"/>
           <p:cNvSpPr txBox="1"/>
           <p:nvPr>
             <p:ph idx="1" type="body"/>
@@ -904,7 +906,7 @@
   <p:cSld>
     <p:spTree>
       <p:nvGrpSpPr>
-        <p:cNvPr id="62" name="Shape 62"/>
+        <p:cNvPr id="63" name="Shape 63"/>
         <p:cNvGrpSpPr/>
         <p:nvPr/>
       </p:nvGrpSpPr>
@@ -918,7 +920,7 @@
       </p:grpSpPr>
       <p:sp>
         <p:nvSpPr>
-          <p:cNvPr id="63" name="Google Shape;63;g2a9c1d33c41_0_53:notes"/>
+          <p:cNvPr id="64" name="Google Shape;64;g2a9c1d33c41_0_47:notes"/>
           <p:cNvSpPr/>
           <p:nvPr>
             <p:ph idx="2" type="sldImg"/>
@@ -953,7 +955,7 @@
       </p:sp>
       <p:sp>
         <p:nvSpPr>
-          <p:cNvPr id="64" name="Google Shape;64;g2a9c1d33c41_0_53:notes"/>
+          <p:cNvPr id="65" name="Google Shape;65;g2a9c1d33c41_0_47:notes"/>
           <p:cNvSpPr txBox="1"/>
           <p:nvPr>
             <p:ph idx="1" type="body"/>
@@ -1003,7 +1005,7 @@
   <p:cSld>
     <p:spTree>
       <p:nvGrpSpPr>
-        <p:cNvPr id="68" name="Shape 68"/>
+        <p:cNvPr id="69" name="Shape 69"/>
         <p:cNvGrpSpPr/>
         <p:nvPr/>
       </p:nvGrpSpPr>
@@ -1017,7 +1019,7 @@
       </p:grpSpPr>
       <p:sp>
         <p:nvSpPr>
-          <p:cNvPr id="69" name="Google Shape;69;g2a9c1d33c41_0_66:notes"/>
+          <p:cNvPr id="70" name="Google Shape;70;g2a9c1d33c41_0_53:notes"/>
           <p:cNvSpPr/>
           <p:nvPr>
             <p:ph idx="2" type="sldImg"/>
@@ -1052,7 +1054,7 @@
       </p:sp>
       <p:sp>
         <p:nvSpPr>
-          <p:cNvPr id="70" name="Google Shape;70;g2a9c1d33c41_0_66:notes"/>
+          <p:cNvPr id="71" name="Google Shape;71;g2a9c1d33c41_0_53:notes"/>
           <p:cNvSpPr txBox="1"/>
           <p:nvPr>
             <p:ph idx="1" type="body"/>
@@ -1116,7 +1118,7 @@
       </p:grpSpPr>
       <p:sp>
         <p:nvSpPr>
-          <p:cNvPr id="76" name="Google Shape;76;g2a9c1d33c41_0_59:notes"/>
+          <p:cNvPr id="76" name="Google Shape;76;g2acf7ee8cc7_0_9:notes"/>
           <p:cNvSpPr/>
           <p:nvPr>
             <p:ph idx="2" type="sldImg"/>
@@ -1151,7 +1153,7 @@
       </p:sp>
       <p:sp>
         <p:nvSpPr>
-          <p:cNvPr id="77" name="Google Shape;77;g2a9c1d33c41_0_59:notes"/>
+          <p:cNvPr id="77" name="Google Shape;77;g2acf7ee8cc7_0_9:notes"/>
           <p:cNvSpPr txBox="1"/>
           <p:nvPr>
             <p:ph idx="1" type="body"/>
@@ -1201,7 +1203,7 @@
   <p:cSld>
     <p:spTree>
       <p:nvGrpSpPr>
-        <p:cNvPr id="82" name="Shape 82"/>
+        <p:cNvPr id="81" name="Shape 81"/>
         <p:cNvGrpSpPr/>
         <p:nvPr/>
       </p:nvGrpSpPr>
@@ -1215,7 +1217,7 @@
       </p:grpSpPr>
       <p:sp>
         <p:nvSpPr>
-          <p:cNvPr id="83" name="Google Shape;83;g2a9c1d33c41_0_73:notes"/>
+          <p:cNvPr id="82" name="Google Shape;82;g2acf7ee8cc7_0_0:notes"/>
           <p:cNvSpPr/>
           <p:nvPr>
             <p:ph idx="2" type="sldImg"/>
@@ -1250,7 +1252,7 @@
       </p:sp>
       <p:sp>
         <p:nvSpPr>
-          <p:cNvPr id="84" name="Google Shape;84;g2a9c1d33c41_0_73:notes"/>
+          <p:cNvPr id="83" name="Google Shape;83;g2acf7ee8cc7_0_0:notes"/>
           <p:cNvSpPr txBox="1"/>
           <p:nvPr>
             <p:ph idx="1" type="body"/>
@@ -1300,7 +1302,7 @@
   <p:cSld>
     <p:spTree>
       <p:nvGrpSpPr>
-        <p:cNvPr id="92" name="Shape 92"/>
+        <p:cNvPr id="88" name="Shape 88"/>
         <p:cNvGrpSpPr/>
         <p:nvPr/>
       </p:nvGrpSpPr>
@@ -1314,7 +1316,7 @@
       </p:grpSpPr>
       <p:sp>
         <p:nvSpPr>
-          <p:cNvPr id="93" name="Google Shape;93;g2a9c1d33c41_0_88:notes"/>
+          <p:cNvPr id="89" name="Google Shape;89;g2a9c1d33c41_0_66:notes"/>
           <p:cNvSpPr/>
           <p:nvPr>
             <p:ph idx="2" type="sldImg"/>
@@ -1349,7 +1351,205 @@
       </p:sp>
       <p:sp>
         <p:nvSpPr>
-          <p:cNvPr id="94" name="Google Shape;94;g2a9c1d33c41_0_88:notes"/>
+          <p:cNvPr id="90" name="Google Shape;90;g2a9c1d33c41_0_66:notes"/>
+          <p:cNvSpPr txBox="1"/>
+          <p:nvPr>
+            <p:ph idx="1" type="body"/>
+          </p:nvPr>
+        </p:nvSpPr>
+        <p:spPr>
+          <a:xfrm>
+            <a:off x="685800" y="4343400"/>
+            <a:ext cx="5486400" cy="4114800"/>
+          </a:xfrm>
+          <a:prstGeom prst="rect">
+            <a:avLst/>
+          </a:prstGeom>
+        </p:spPr>
+        <p:txBody>
+          <a:bodyPr anchorCtr="0" anchor="t" bIns="91425" lIns="91425" spcFirstLastPara="1" rIns="91425" wrap="square" tIns="91425">
+            <a:noAutofit/>
+          </a:bodyPr>
+          <a:lstStyle/>
+          <a:p>
+            <a:pPr indent="0" lvl="0" marL="0" rtl="0" algn="l">
+              <a:spcBef>
+                <a:spcPts val="0"/>
+              </a:spcBef>
+              <a:spcAft>
+                <a:spcPts val="0"/>
+              </a:spcAft>
+              <a:buNone/>
+            </a:pPr>
+            <a:r>
+              <a:t/>
+            </a:r>
+            <a:endParaRPr/>
+          </a:p>
+        </p:txBody>
+      </p:sp>
+    </p:spTree>
+  </p:cSld>
+  <p:clrMapOvr>
+    <a:masterClrMapping/>
+  </p:clrMapOvr>
+</p:notes>
+</file>
+
+<file path=ppt/notesSlides/notesSlide8.xml><?xml version="1.0" encoding="utf-8"?>
+<p:notes xmlns:a="http://schemas.openxmlformats.org/drawingml/2006/main" xmlns:r="http://schemas.openxmlformats.org/officeDocument/2006/relationships" xmlns:mc="http://schemas.openxmlformats.org/markup-compatibility/2006" xmlns:mv="urn:schemas-microsoft-com:mac:vml" xmlns:p="http://schemas.openxmlformats.org/presentationml/2006/main" xmlns:c="http://schemas.openxmlformats.org/drawingml/2006/chart" xmlns:dgm="http://schemas.openxmlformats.org/drawingml/2006/diagram" xmlns:o="urn:schemas-microsoft-com:office:office" xmlns:v="urn:schemas-microsoft-com:vml" xmlns:pvml="urn:schemas-microsoft-com:office:powerpoint" xmlns:com="http://schemas.openxmlformats.org/drawingml/2006/compatibility" xmlns:p14="http://schemas.microsoft.com/office/powerpoint/2010/main" xmlns:p15="http://schemas.microsoft.com/office/powerpoint/2012/main" xmlns:ahyp="http://schemas.microsoft.com/office/drawing/2018/hyperlinkcolor" showMasterPhAnim="0" showMasterSp="0">
+  <p:cSld>
+    <p:spTree>
+      <p:nvGrpSpPr>
+        <p:cNvPr id="95" name="Shape 95"/>
+        <p:cNvGrpSpPr/>
+        <p:nvPr/>
+      </p:nvGrpSpPr>
+      <p:grpSpPr>
+        <a:xfrm>
+          <a:off x="0" y="0"/>
+          <a:ext cx="0" cy="0"/>
+          <a:chOff x="0" y="0"/>
+          <a:chExt cx="0" cy="0"/>
+        </a:xfrm>
+      </p:grpSpPr>
+      <p:sp>
+        <p:nvSpPr>
+          <p:cNvPr id="96" name="Google Shape;96;g2a9c1d33c41_0_59:notes"/>
+          <p:cNvSpPr/>
+          <p:nvPr>
+            <p:ph idx="2" type="sldImg"/>
+          </p:nvPr>
+        </p:nvSpPr>
+        <p:spPr>
+          <a:xfrm>
+            <a:off x="381300" y="685800"/>
+            <a:ext cx="6096000" cy="3429000"/>
+          </a:xfrm>
+          <a:custGeom>
+            <a:rect b="b" l="l" r="r" t="t"/>
+            <a:pathLst>
+              <a:path extrusionOk="0" h="120000" w="120000">
+                <a:moveTo>
+                  <a:pt x="0" y="0"/>
+                </a:moveTo>
+                <a:lnTo>
+                  <a:pt x="120000" y="0"/>
+                </a:lnTo>
+                <a:lnTo>
+                  <a:pt x="120000" y="120000"/>
+                </a:lnTo>
+                <a:lnTo>
+                  <a:pt x="0" y="120000"/>
+                </a:lnTo>
+                <a:close/>
+              </a:path>
+            </a:pathLst>
+          </a:custGeom>
+        </p:spPr>
+      </p:sp>
+      <p:sp>
+        <p:nvSpPr>
+          <p:cNvPr id="97" name="Google Shape;97;g2a9c1d33c41_0_59:notes"/>
+          <p:cNvSpPr txBox="1"/>
+          <p:nvPr>
+            <p:ph idx="1" type="body"/>
+          </p:nvPr>
+        </p:nvSpPr>
+        <p:spPr>
+          <a:xfrm>
+            <a:off x="685800" y="4343400"/>
+            <a:ext cx="5486400" cy="4114800"/>
+          </a:xfrm>
+          <a:prstGeom prst="rect">
+            <a:avLst/>
+          </a:prstGeom>
+        </p:spPr>
+        <p:txBody>
+          <a:bodyPr anchorCtr="0" anchor="t" bIns="91425" lIns="91425" spcFirstLastPara="1" rIns="91425" wrap="square" tIns="91425">
+            <a:noAutofit/>
+          </a:bodyPr>
+          <a:lstStyle/>
+          <a:p>
+            <a:pPr indent="0" lvl="0" marL="0" rtl="0" algn="l">
+              <a:spcBef>
+                <a:spcPts val="0"/>
+              </a:spcBef>
+              <a:spcAft>
+                <a:spcPts val="0"/>
+              </a:spcAft>
+              <a:buNone/>
+            </a:pPr>
+            <a:r>
+              <a:t/>
+            </a:r>
+            <a:endParaRPr/>
+          </a:p>
+        </p:txBody>
+      </p:sp>
+    </p:spTree>
+  </p:cSld>
+  <p:clrMapOvr>
+    <a:masterClrMapping/>
+  </p:clrMapOvr>
+</p:notes>
+</file>
+
+<file path=ppt/notesSlides/notesSlide9.xml><?xml version="1.0" encoding="utf-8"?>
+<p:notes xmlns:a="http://schemas.openxmlformats.org/drawingml/2006/main" xmlns:r="http://schemas.openxmlformats.org/officeDocument/2006/relationships" xmlns:mc="http://schemas.openxmlformats.org/markup-compatibility/2006" xmlns:mv="urn:schemas-microsoft-com:mac:vml" xmlns:p="http://schemas.openxmlformats.org/presentationml/2006/main" xmlns:c="http://schemas.openxmlformats.org/drawingml/2006/chart" xmlns:dgm="http://schemas.openxmlformats.org/drawingml/2006/diagram" xmlns:o="urn:schemas-microsoft-com:office:office" xmlns:v="urn:schemas-microsoft-com:vml" xmlns:pvml="urn:schemas-microsoft-com:office:powerpoint" xmlns:com="http://schemas.openxmlformats.org/drawingml/2006/compatibility" xmlns:p14="http://schemas.microsoft.com/office/powerpoint/2010/main" xmlns:p15="http://schemas.microsoft.com/office/powerpoint/2012/main" xmlns:ahyp="http://schemas.microsoft.com/office/drawing/2018/hyperlinkcolor" showMasterPhAnim="0" showMasterSp="0">
+  <p:cSld>
+    <p:spTree>
+      <p:nvGrpSpPr>
+        <p:cNvPr id="102" name="Shape 102"/>
+        <p:cNvGrpSpPr/>
+        <p:nvPr/>
+      </p:nvGrpSpPr>
+      <p:grpSpPr>
+        <a:xfrm>
+          <a:off x="0" y="0"/>
+          <a:ext cx="0" cy="0"/>
+          <a:chOff x="0" y="0"/>
+          <a:chExt cx="0" cy="0"/>
+        </a:xfrm>
+      </p:grpSpPr>
+      <p:sp>
+        <p:nvSpPr>
+          <p:cNvPr id="103" name="Google Shape;103;g2a9c1d33c41_0_73:notes"/>
+          <p:cNvSpPr/>
+          <p:nvPr>
+            <p:ph idx="2" type="sldImg"/>
+          </p:nvPr>
+        </p:nvSpPr>
+        <p:spPr>
+          <a:xfrm>
+            <a:off x="381300" y="685800"/>
+            <a:ext cx="6096000" cy="3429000"/>
+          </a:xfrm>
+          <a:custGeom>
+            <a:rect b="b" l="l" r="r" t="t"/>
+            <a:pathLst>
+              <a:path extrusionOk="0" h="120000" w="120000">
+                <a:moveTo>
+                  <a:pt x="0" y="0"/>
+                </a:moveTo>
+                <a:lnTo>
+                  <a:pt x="120000" y="0"/>
+                </a:lnTo>
+                <a:lnTo>
+                  <a:pt x="120000" y="120000"/>
+                </a:lnTo>
+                <a:lnTo>
+                  <a:pt x="0" y="120000"/>
+                </a:lnTo>
+                <a:close/>
+              </a:path>
+            </a:pathLst>
+          </a:custGeom>
+        </p:spPr>
+      </p:sp>
+      <p:sp>
+        <p:nvSpPr>
+          <p:cNvPr id="104" name="Google Shape;104;g2a9c1d33c41_0_73:notes"/>
           <p:cNvSpPr txBox="1"/>
           <p:nvPr>
             <p:ph idx="1" type="body"/>
@@ -6123,9 +6323,37 @@
           <a:chExt cx="0" cy="0"/>
         </a:xfrm>
       </p:grpSpPr>
+      <p:pic>
+        <p:nvPicPr>
+          <p:cNvPr id="54" name="Google Shape;54;p13"/>
+          <p:cNvPicPr preferRelativeResize="0"/>
+          <p:nvPr/>
+        </p:nvPicPr>
+        <p:blipFill>
+          <a:blip r:embed="rId3">
+            <a:alphaModFix/>
+          </a:blip>
+          <a:stretch>
+            <a:fillRect/>
+          </a:stretch>
+        </p:blipFill>
+        <p:spPr>
+          <a:xfrm>
+            <a:off x="0" y="0"/>
+            <a:ext cx="9178050" cy="5143500"/>
+          </a:xfrm>
+          <a:prstGeom prst="rect">
+            <a:avLst/>
+          </a:prstGeom>
+          <a:noFill/>
+          <a:ln>
+            <a:noFill/>
+          </a:ln>
+        </p:spPr>
+      </p:pic>
       <p:sp>
         <p:nvSpPr>
-          <p:cNvPr id="54" name="Google Shape;54;p13"/>
+          <p:cNvPr id="55" name="Google Shape;55;p13"/>
           <p:cNvSpPr txBox="1"/>
           <p:nvPr>
             <p:ph type="ctrTitle"/>
@@ -6156,16 +6384,32 @@
               <a:buNone/>
             </a:pPr>
             <a:r>
-              <a:rPr lang="es-419"/>
+              <a:rPr lang="es-419">
+                <a:solidFill>
+                  <a:schemeClr val="lt1"/>
+                </a:solidFill>
+                <a:latin typeface="Times New Roman"/>
+                <a:ea typeface="Times New Roman"/>
+                <a:cs typeface="Times New Roman"/>
+                <a:sym typeface="Times New Roman"/>
+              </a:rPr>
               <a:t>Emisiones de CO2 y Acceso a la Electricidad</a:t>
             </a:r>
-            <a:endParaRPr/>
+            <a:endParaRPr>
+              <a:solidFill>
+                <a:schemeClr val="lt1"/>
+              </a:solidFill>
+              <a:latin typeface="Times New Roman"/>
+              <a:ea typeface="Times New Roman"/>
+              <a:cs typeface="Times New Roman"/>
+              <a:sym typeface="Times New Roman"/>
+            </a:endParaRPr>
           </a:p>
         </p:txBody>
       </p:sp>
       <p:sp>
         <p:nvSpPr>
-          <p:cNvPr id="55" name="Google Shape;55;p13"/>
+          <p:cNvPr id="56" name="Google Shape;56;p13"/>
           <p:cNvSpPr txBox="1"/>
           <p:nvPr>
             <p:ph idx="1" type="subTitle"/>
@@ -6196,14 +6440,38 @@
               <a:buNone/>
             </a:pPr>
             <a:r>
-              <a:rPr lang="es-419"/>
+              <a:rPr lang="es-419">
+                <a:solidFill>
+                  <a:schemeClr val="dk2"/>
+                </a:solidFill>
+                <a:latin typeface="Times New Roman"/>
+                <a:ea typeface="Times New Roman"/>
+                <a:cs typeface="Times New Roman"/>
+                <a:sym typeface="Times New Roman"/>
+              </a:rPr>
               <a:t>Análisis</a:t>
             </a:r>
             <a:r>
-              <a:rPr lang="es-419"/>
+              <a:rPr lang="es-419">
+                <a:solidFill>
+                  <a:schemeClr val="dk2"/>
+                </a:solidFill>
+                <a:latin typeface="Times New Roman"/>
+                <a:ea typeface="Times New Roman"/>
+                <a:cs typeface="Times New Roman"/>
+                <a:sym typeface="Times New Roman"/>
+              </a:rPr>
               <a:t> preliminar y proyecciones</a:t>
             </a:r>
-            <a:endParaRPr/>
+            <a:endParaRPr>
+              <a:solidFill>
+                <a:schemeClr val="dk2"/>
+              </a:solidFill>
+              <a:latin typeface="Times New Roman"/>
+              <a:ea typeface="Times New Roman"/>
+              <a:cs typeface="Times New Roman"/>
+              <a:sym typeface="Times New Roman"/>
+            </a:endParaRPr>
           </a:p>
         </p:txBody>
       </p:sp>
@@ -6218,9 +6486,16 @@
 <file path=ppt/slides/slide2.xml><?xml version="1.0" encoding="utf-8"?>
 <p:sld xmlns:a="http://schemas.openxmlformats.org/drawingml/2006/main" xmlns:r="http://schemas.openxmlformats.org/officeDocument/2006/relationships" xmlns:mc="http://schemas.openxmlformats.org/markup-compatibility/2006" xmlns:mv="urn:schemas-microsoft-com:mac:vml" xmlns:p="http://schemas.openxmlformats.org/presentationml/2006/main" xmlns:c="http://schemas.openxmlformats.org/drawingml/2006/chart" xmlns:dgm="http://schemas.openxmlformats.org/drawingml/2006/diagram" xmlns:o="urn:schemas-microsoft-com:office:office" xmlns:v="urn:schemas-microsoft-com:vml" xmlns:pvml="urn:schemas-microsoft-com:office:powerpoint" xmlns:com="http://schemas.openxmlformats.org/drawingml/2006/compatibility" xmlns:p14="http://schemas.microsoft.com/office/powerpoint/2010/main" xmlns:p15="http://schemas.microsoft.com/office/powerpoint/2012/main" xmlns:ahyp="http://schemas.microsoft.com/office/drawing/2018/hyperlinkcolor">
   <p:cSld>
+    <p:bg>
+      <p:bgPr>
+        <a:solidFill>
+          <a:schemeClr val="dk2"/>
+        </a:solidFill>
+      </p:bgPr>
+    </p:bg>
     <p:spTree>
       <p:nvGrpSpPr>
-        <p:cNvPr id="59" name="Shape 59"/>
+        <p:cNvPr id="60" name="Shape 60"/>
         <p:cNvGrpSpPr/>
         <p:nvPr/>
       </p:nvGrpSpPr>
@@ -6234,7 +6509,342 @@
       </p:grpSpPr>
       <p:sp>
         <p:nvSpPr>
-          <p:cNvPr id="60" name="Google Shape;60;p14"/>
+          <p:cNvPr id="61" name="Google Shape;61;p14"/>
+          <p:cNvSpPr txBox="1"/>
+          <p:nvPr>
+            <p:ph type="title"/>
+          </p:nvPr>
+        </p:nvSpPr>
+        <p:spPr>
+          <a:xfrm>
+            <a:off x="311700" y="445025"/>
+            <a:ext cx="8520600" cy="572700"/>
+          </a:xfrm>
+          <a:prstGeom prst="rect">
+            <a:avLst/>
+          </a:prstGeom>
+        </p:spPr>
+        <p:txBody>
+          <a:bodyPr anchorCtr="0" anchor="t" bIns="91425" lIns="91425" spcFirstLastPara="1" rIns="91425" wrap="square" tIns="91425">
+            <a:normAutofit fontScale="90000"/>
+          </a:bodyPr>
+          <a:lstStyle/>
+          <a:p>
+            <a:pPr indent="0" lvl="0" marL="0" rtl="0" algn="ctr">
+              <a:spcBef>
+                <a:spcPts val="0"/>
+              </a:spcBef>
+              <a:spcAft>
+                <a:spcPts val="0"/>
+              </a:spcAft>
+              <a:buNone/>
+            </a:pPr>
+            <a:r>
+              <a:rPr lang="es-419" sz="3244">
+                <a:latin typeface="Times New Roman"/>
+                <a:ea typeface="Times New Roman"/>
+                <a:cs typeface="Times New Roman"/>
+                <a:sym typeface="Times New Roman"/>
+              </a:rPr>
+              <a:t>Agenda</a:t>
+            </a:r>
+            <a:endParaRPr sz="3244">
+              <a:latin typeface="Times New Roman"/>
+              <a:ea typeface="Times New Roman"/>
+              <a:cs typeface="Times New Roman"/>
+              <a:sym typeface="Times New Roman"/>
+            </a:endParaRPr>
+          </a:p>
+          <a:p>
+            <a:pPr indent="0" lvl="0" marL="0" rtl="0" algn="l">
+              <a:spcBef>
+                <a:spcPts val="0"/>
+              </a:spcBef>
+              <a:spcAft>
+                <a:spcPts val="0"/>
+              </a:spcAft>
+              <a:buNone/>
+            </a:pPr>
+            <a:r>
+              <a:t/>
+            </a:r>
+            <a:endParaRPr/>
+          </a:p>
+        </p:txBody>
+      </p:sp>
+      <p:sp>
+        <p:nvSpPr>
+          <p:cNvPr id="62" name="Google Shape;62;p14"/>
+          <p:cNvSpPr txBox="1"/>
+          <p:nvPr>
+            <p:ph idx="1" type="body"/>
+          </p:nvPr>
+        </p:nvSpPr>
+        <p:spPr>
+          <a:xfrm>
+            <a:off x="391450" y="1139175"/>
+            <a:ext cx="8520600" cy="3416400"/>
+          </a:xfrm>
+          <a:prstGeom prst="rect">
+            <a:avLst/>
+          </a:prstGeom>
+        </p:spPr>
+        <p:txBody>
+          <a:bodyPr anchorCtr="0" anchor="t" bIns="91425" lIns="91425" spcFirstLastPara="1" rIns="91425" wrap="square" tIns="91425">
+            <a:normAutofit/>
+          </a:bodyPr>
+          <a:lstStyle/>
+          <a:p>
+            <a:pPr indent="-438150" lvl="0" marL="457200" rtl="0" algn="l">
+              <a:spcBef>
+                <a:spcPts val="0"/>
+              </a:spcBef>
+              <a:spcAft>
+                <a:spcPts val="0"/>
+              </a:spcAft>
+              <a:buClr>
+                <a:schemeClr val="dk1"/>
+              </a:buClr>
+              <a:buSzPts val="3300"/>
+              <a:buFont typeface="Times New Roman"/>
+              <a:buAutoNum type="arabicPeriod"/>
+            </a:pPr>
+            <a:r>
+              <a:rPr lang="es-419" sz="3300">
+                <a:solidFill>
+                  <a:schemeClr val="dk1"/>
+                </a:solidFill>
+                <a:latin typeface="Times New Roman"/>
+                <a:ea typeface="Times New Roman"/>
+                <a:cs typeface="Times New Roman"/>
+                <a:sym typeface="Times New Roman"/>
+              </a:rPr>
+              <a:t>INTRODUCCIÓN</a:t>
+            </a:r>
+            <a:endParaRPr sz="3300">
+              <a:solidFill>
+                <a:schemeClr val="dk1"/>
+              </a:solidFill>
+              <a:latin typeface="Times New Roman"/>
+              <a:ea typeface="Times New Roman"/>
+              <a:cs typeface="Times New Roman"/>
+              <a:sym typeface="Times New Roman"/>
+            </a:endParaRPr>
+          </a:p>
+          <a:p>
+            <a:pPr indent="-438150" lvl="0" marL="457200" rtl="0" algn="l">
+              <a:spcBef>
+                <a:spcPts val="0"/>
+              </a:spcBef>
+              <a:spcAft>
+                <a:spcPts val="0"/>
+              </a:spcAft>
+              <a:buClr>
+                <a:schemeClr val="dk1"/>
+              </a:buClr>
+              <a:buSzPts val="3300"/>
+              <a:buFont typeface="Times New Roman"/>
+              <a:buAutoNum type="arabicPeriod"/>
+            </a:pPr>
+            <a:r>
+              <a:rPr lang="es-419" sz="3300">
+                <a:solidFill>
+                  <a:schemeClr val="dk1"/>
+                </a:solidFill>
+                <a:latin typeface="Times New Roman"/>
+                <a:ea typeface="Times New Roman"/>
+                <a:cs typeface="Times New Roman"/>
+                <a:sym typeface="Times New Roman"/>
+              </a:rPr>
+              <a:t>CONTEXTUALIZACIÓN</a:t>
+            </a:r>
+            <a:endParaRPr sz="3300">
+              <a:solidFill>
+                <a:schemeClr val="dk1"/>
+              </a:solidFill>
+              <a:latin typeface="Times New Roman"/>
+              <a:ea typeface="Times New Roman"/>
+              <a:cs typeface="Times New Roman"/>
+              <a:sym typeface="Times New Roman"/>
+            </a:endParaRPr>
+          </a:p>
+          <a:p>
+            <a:pPr indent="-438150" lvl="0" marL="457200" rtl="0" algn="l">
+              <a:spcBef>
+                <a:spcPts val="0"/>
+              </a:spcBef>
+              <a:spcAft>
+                <a:spcPts val="0"/>
+              </a:spcAft>
+              <a:buClr>
+                <a:schemeClr val="dk1"/>
+              </a:buClr>
+              <a:buSzPts val="3300"/>
+              <a:buFont typeface="Times New Roman"/>
+              <a:buAutoNum type="arabicPeriod"/>
+            </a:pPr>
+            <a:r>
+              <a:rPr lang="es-419" sz="3300">
+                <a:solidFill>
+                  <a:schemeClr val="dk1"/>
+                </a:solidFill>
+                <a:latin typeface="Times New Roman"/>
+                <a:ea typeface="Times New Roman"/>
+                <a:cs typeface="Times New Roman"/>
+                <a:sym typeface="Times New Roman"/>
+              </a:rPr>
+              <a:t>EMISIONES DE CO2</a:t>
+            </a:r>
+            <a:endParaRPr sz="3300">
+              <a:solidFill>
+                <a:schemeClr val="dk1"/>
+              </a:solidFill>
+              <a:latin typeface="Times New Roman"/>
+              <a:ea typeface="Times New Roman"/>
+              <a:cs typeface="Times New Roman"/>
+              <a:sym typeface="Times New Roman"/>
+            </a:endParaRPr>
+          </a:p>
+          <a:p>
+            <a:pPr indent="-438150" lvl="0" marL="457200" rtl="0" algn="l">
+              <a:spcBef>
+                <a:spcPts val="0"/>
+              </a:spcBef>
+              <a:spcAft>
+                <a:spcPts val="0"/>
+              </a:spcAft>
+              <a:buClr>
+                <a:schemeClr val="dk1"/>
+              </a:buClr>
+              <a:buSzPts val="3300"/>
+              <a:buFont typeface="Times New Roman"/>
+              <a:buAutoNum type="arabicPeriod"/>
+            </a:pPr>
+            <a:r>
+              <a:rPr lang="es-419" sz="3300">
+                <a:solidFill>
+                  <a:schemeClr val="dk1"/>
+                </a:solidFill>
+                <a:latin typeface="Times New Roman"/>
+                <a:ea typeface="Times New Roman"/>
+                <a:cs typeface="Times New Roman"/>
+                <a:sym typeface="Times New Roman"/>
+              </a:rPr>
+              <a:t>ANÁLISIS</a:t>
+            </a:r>
+            <a:r>
+              <a:rPr lang="es-419" sz="3300">
+                <a:solidFill>
+                  <a:schemeClr val="dk1"/>
+                </a:solidFill>
+                <a:latin typeface="Times New Roman"/>
+                <a:ea typeface="Times New Roman"/>
+                <a:cs typeface="Times New Roman"/>
+                <a:sym typeface="Times New Roman"/>
+              </a:rPr>
+              <a:t> DE EMISIONES</a:t>
+            </a:r>
+            <a:endParaRPr sz="3300">
+              <a:solidFill>
+                <a:schemeClr val="dk1"/>
+              </a:solidFill>
+              <a:latin typeface="Times New Roman"/>
+              <a:ea typeface="Times New Roman"/>
+              <a:cs typeface="Times New Roman"/>
+              <a:sym typeface="Times New Roman"/>
+            </a:endParaRPr>
+          </a:p>
+          <a:p>
+            <a:pPr indent="-438150" lvl="0" marL="457200" rtl="0" algn="l">
+              <a:spcBef>
+                <a:spcPts val="0"/>
+              </a:spcBef>
+              <a:spcAft>
+                <a:spcPts val="0"/>
+              </a:spcAft>
+              <a:buClr>
+                <a:schemeClr val="dk1"/>
+              </a:buClr>
+              <a:buSzPts val="3300"/>
+              <a:buFont typeface="Times New Roman"/>
+              <a:buAutoNum type="arabicPeriod"/>
+            </a:pPr>
+            <a:r>
+              <a:rPr lang="es-419" sz="3300">
+                <a:solidFill>
+                  <a:schemeClr val="dk1"/>
+                </a:solidFill>
+                <a:latin typeface="Times New Roman"/>
+                <a:ea typeface="Times New Roman"/>
+                <a:cs typeface="Times New Roman"/>
+                <a:sym typeface="Times New Roman"/>
+              </a:rPr>
+              <a:t>MODELOS DE </a:t>
+            </a:r>
+            <a:r>
+              <a:rPr lang="es-419" sz="3300">
+                <a:solidFill>
+                  <a:schemeClr val="dk1"/>
+                </a:solidFill>
+                <a:latin typeface="Times New Roman"/>
+                <a:ea typeface="Times New Roman"/>
+                <a:cs typeface="Times New Roman"/>
+                <a:sym typeface="Times New Roman"/>
+              </a:rPr>
+              <a:t>PREDICCIÓN</a:t>
+            </a:r>
+            <a:endParaRPr sz="3300">
+              <a:solidFill>
+                <a:schemeClr val="dk1"/>
+              </a:solidFill>
+              <a:latin typeface="Times New Roman"/>
+              <a:ea typeface="Times New Roman"/>
+              <a:cs typeface="Times New Roman"/>
+              <a:sym typeface="Times New Roman"/>
+            </a:endParaRPr>
+          </a:p>
+        </p:txBody>
+      </p:sp>
+    </p:spTree>
+  </p:cSld>
+  <p:clrMapOvr>
+    <a:masterClrMapping/>
+  </p:clrMapOvr>
+</p:sld>
+</file>
+
+<file path=ppt/slides/slide3.xml><?xml version="1.0" encoding="utf-8"?>
+<p:sld xmlns:a="http://schemas.openxmlformats.org/drawingml/2006/main" xmlns:r="http://schemas.openxmlformats.org/officeDocument/2006/relationships" xmlns:mc="http://schemas.openxmlformats.org/markup-compatibility/2006" xmlns:mv="urn:schemas-microsoft-com:mac:vml" xmlns:p="http://schemas.openxmlformats.org/presentationml/2006/main" xmlns:c="http://schemas.openxmlformats.org/drawingml/2006/chart" xmlns:dgm="http://schemas.openxmlformats.org/drawingml/2006/diagram" xmlns:o="urn:schemas-microsoft-com:office:office" xmlns:v="urn:schemas-microsoft-com:vml" xmlns:pvml="urn:schemas-microsoft-com:office:powerpoint" xmlns:com="http://schemas.openxmlformats.org/drawingml/2006/compatibility" xmlns:p14="http://schemas.microsoft.com/office/powerpoint/2010/main" xmlns:p15="http://schemas.microsoft.com/office/powerpoint/2012/main" xmlns:ahyp="http://schemas.microsoft.com/office/drawing/2018/hyperlinkcolor">
+  <p:cSld>
+    <p:bg>
+      <p:bgPr>
+        <a:blipFill>
+          <a:blip r:embed="rId3">
+            <a:alphaModFix/>
+          </a:blip>
+          <a:stretch>
+            <a:fillRect/>
+          </a:stretch>
+        </a:blipFill>
+      </p:bgPr>
+    </p:bg>
+    <p:spTree>
+      <p:nvGrpSpPr>
+        <p:cNvPr id="66" name="Shape 66"/>
+        <p:cNvGrpSpPr/>
+        <p:nvPr/>
+      </p:nvGrpSpPr>
+      <p:grpSpPr>
+        <a:xfrm>
+          <a:off x="0" y="0"/>
+          <a:ext cx="0" cy="0"/>
+          <a:chOff x="0" y="0"/>
+          <a:chExt cx="0" cy="0"/>
+        </a:xfrm>
+      </p:grpSpPr>
+      <p:sp>
+        <p:nvSpPr>
+          <p:cNvPr id="67" name="Google Shape;67;p15"/>
           <p:cNvSpPr txBox="1"/>
           <p:nvPr>
             <p:ph type="title"/>
@@ -6265,16 +6875,26 @@
               <a:buNone/>
             </a:pPr>
             <a:r>
-              <a:rPr lang="es-419"/>
+              <a:rPr lang="es-419">
+                <a:latin typeface="Times New Roman"/>
+                <a:ea typeface="Times New Roman"/>
+                <a:cs typeface="Times New Roman"/>
+                <a:sym typeface="Times New Roman"/>
+              </a:rPr>
               <a:t>Introducción</a:t>
             </a:r>
-            <a:endParaRPr/>
+            <a:endParaRPr>
+              <a:latin typeface="Times New Roman"/>
+              <a:ea typeface="Times New Roman"/>
+              <a:cs typeface="Times New Roman"/>
+              <a:sym typeface="Times New Roman"/>
+            </a:endParaRPr>
           </a:p>
         </p:txBody>
       </p:sp>
       <p:sp>
         <p:nvSpPr>
-          <p:cNvPr id="61" name="Google Shape;61;p14"/>
+          <p:cNvPr id="68" name="Google Shape;68;p15"/>
           <p:cNvSpPr txBox="1"/>
           <p:nvPr>
             <p:ph idx="1" type="body"/>
@@ -6309,25 +6929,25 @@
               <a:buNone/>
             </a:pPr>
             <a:r>
-              <a:rPr lang="es-419" sz="1120">
+              <a:rPr lang="es-419" sz="1220">
                 <a:solidFill>
                   <a:schemeClr val="dk1"/>
                 </a:solidFill>
-                <a:latin typeface="Roboto"/>
-                <a:ea typeface="Roboto"/>
-                <a:cs typeface="Roboto"/>
-                <a:sym typeface="Roboto"/>
+                <a:latin typeface="Times New Roman"/>
+                <a:ea typeface="Times New Roman"/>
+                <a:cs typeface="Times New Roman"/>
+                <a:sym typeface="Times New Roman"/>
               </a:rPr>
               <a:t>En las últimas décadas, el aumento exponencial de las emisiones de dióxido de carbono (CO2) ha desencadenado una serie de impactos preocupantes en nuestro planeta. El CO2, uno de los principales gases de efecto invernadero, es liberado a la atmósfera principalmente por actividades humanas como la quema de combustibles fósiles, la industria, la deforestación y otros procesos industriales.</a:t>
             </a:r>
-            <a:endParaRPr sz="1120">
+            <a:endParaRPr sz="1220">
               <a:solidFill>
                 <a:schemeClr val="dk1"/>
               </a:solidFill>
-              <a:latin typeface="Roboto"/>
-              <a:ea typeface="Roboto"/>
-              <a:cs typeface="Roboto"/>
-              <a:sym typeface="Roboto"/>
+              <a:latin typeface="Times New Roman"/>
+              <a:ea typeface="Times New Roman"/>
+              <a:cs typeface="Times New Roman"/>
+              <a:sym typeface="Times New Roman"/>
             </a:endParaRPr>
           </a:p>
           <a:p>
@@ -6345,25 +6965,25 @@
               <a:buNone/>
             </a:pPr>
             <a:r>
-              <a:rPr lang="es-419" sz="1120">
+              <a:rPr lang="es-419" sz="1220">
                 <a:solidFill>
                   <a:schemeClr val="dk1"/>
                 </a:solidFill>
-                <a:latin typeface="Roboto"/>
-                <a:ea typeface="Roboto"/>
-                <a:cs typeface="Roboto"/>
-                <a:sym typeface="Roboto"/>
+                <a:latin typeface="Times New Roman"/>
+                <a:ea typeface="Times New Roman"/>
+                <a:cs typeface="Times New Roman"/>
+                <a:sym typeface="Times New Roman"/>
               </a:rPr>
               <a:t>El aumento constante de estas emisiones está llevando a cambios significativos en nuestro clima, exacerbando fenómenos extremos como olas de calor, tormentas más intensas, sequías prolongadas e inundaciones devastadoras. Este desequilibrio en el clima también afecta los ecosistemas terrestres y marinos, poniendo en riesgo la biodiversidad y la estabilidad de los sistemas naturales que sustentan la vida en la Tierra.</a:t>
             </a:r>
-            <a:endParaRPr sz="1120">
+            <a:endParaRPr sz="1220">
               <a:solidFill>
                 <a:schemeClr val="dk1"/>
               </a:solidFill>
-              <a:latin typeface="Roboto"/>
-              <a:ea typeface="Roboto"/>
-              <a:cs typeface="Roboto"/>
-              <a:sym typeface="Roboto"/>
+              <a:latin typeface="Times New Roman"/>
+              <a:ea typeface="Times New Roman"/>
+              <a:cs typeface="Times New Roman"/>
+              <a:sym typeface="Times New Roman"/>
             </a:endParaRPr>
           </a:p>
           <a:p>
@@ -6381,25 +7001,25 @@
               <a:buNone/>
             </a:pPr>
             <a:r>
-              <a:rPr lang="es-419" sz="1120">
+              <a:rPr lang="es-419" sz="1220">
                 <a:solidFill>
                   <a:schemeClr val="dk1"/>
                 </a:solidFill>
-                <a:latin typeface="Roboto"/>
-                <a:ea typeface="Roboto"/>
-                <a:cs typeface="Roboto"/>
-                <a:sym typeface="Roboto"/>
+                <a:latin typeface="Times New Roman"/>
+                <a:ea typeface="Times New Roman"/>
+                <a:cs typeface="Times New Roman"/>
+                <a:sym typeface="Times New Roman"/>
               </a:rPr>
               <a:t>La concentración de CO2 en la atmósfera ha alcanzado niveles sin precedentes en los últimos 800,000 años, superando las 400 partes por millón (ppm), un hito alarmante que subraya la urgencia de abordar este desafío global.</a:t>
             </a:r>
-            <a:endParaRPr sz="1120">
+            <a:endParaRPr sz="1220">
               <a:solidFill>
                 <a:schemeClr val="dk1"/>
               </a:solidFill>
-              <a:latin typeface="Roboto"/>
-              <a:ea typeface="Roboto"/>
-              <a:cs typeface="Roboto"/>
-              <a:sym typeface="Roboto"/>
+              <a:latin typeface="Times New Roman"/>
+              <a:ea typeface="Times New Roman"/>
+              <a:cs typeface="Times New Roman"/>
+              <a:sym typeface="Times New Roman"/>
             </a:endParaRPr>
           </a:p>
           <a:p>
@@ -6417,25 +7037,25 @@
               <a:buNone/>
             </a:pPr>
             <a:r>
-              <a:rPr lang="es-419" sz="1120">
+              <a:rPr lang="es-419" sz="1220">
                 <a:solidFill>
                   <a:schemeClr val="dk1"/>
                 </a:solidFill>
-                <a:latin typeface="Roboto"/>
-                <a:ea typeface="Roboto"/>
-                <a:cs typeface="Roboto"/>
-                <a:sym typeface="Roboto"/>
+                <a:latin typeface="Times New Roman"/>
+                <a:ea typeface="Times New Roman"/>
+                <a:cs typeface="Times New Roman"/>
+                <a:sym typeface="Times New Roman"/>
               </a:rPr>
               <a:t>Más allá de las consecuencias medioambientales, las emisiones desmedidas de CO2 también tienen un impacto directo en la salud humana, contribuyendo a problemas respiratorios, enfermedades cardiovasculares y otros problemas de salud pública.</a:t>
             </a:r>
-            <a:endParaRPr sz="1120">
+            <a:endParaRPr sz="1220">
               <a:solidFill>
                 <a:schemeClr val="dk1"/>
               </a:solidFill>
-              <a:latin typeface="Roboto"/>
-              <a:ea typeface="Roboto"/>
-              <a:cs typeface="Roboto"/>
-              <a:sym typeface="Roboto"/>
+              <a:latin typeface="Times New Roman"/>
+              <a:ea typeface="Times New Roman"/>
+              <a:cs typeface="Times New Roman"/>
+              <a:sym typeface="Times New Roman"/>
             </a:endParaRPr>
           </a:p>
           <a:p>
@@ -6453,25 +7073,25 @@
               <a:buNone/>
             </a:pPr>
             <a:r>
-              <a:rPr lang="es-419" sz="1120">
+              <a:rPr lang="es-419" sz="1220">
                 <a:solidFill>
                   <a:schemeClr val="dk1"/>
                 </a:solidFill>
-                <a:latin typeface="Roboto"/>
-                <a:ea typeface="Roboto"/>
-                <a:cs typeface="Roboto"/>
-                <a:sym typeface="Roboto"/>
+                <a:latin typeface="Times New Roman"/>
+                <a:ea typeface="Times New Roman"/>
+                <a:cs typeface="Times New Roman"/>
+                <a:sym typeface="Times New Roman"/>
               </a:rPr>
               <a:t>Es evidente que enfrentamos una crisis climática que demanda acción inmediata y coordinada. Sin embargo, también hay esperanza: proyectos innovadores y medidas sostenibles están surgiendo en todo el mundo, buscando reducir estas emisiones y mitigar los impactos del cambio climático.</a:t>
             </a:r>
-            <a:endParaRPr sz="1120">
+            <a:endParaRPr sz="1220">
               <a:solidFill>
                 <a:schemeClr val="dk1"/>
               </a:solidFill>
-              <a:latin typeface="Roboto"/>
-              <a:ea typeface="Roboto"/>
-              <a:cs typeface="Roboto"/>
-              <a:sym typeface="Roboto"/>
+              <a:latin typeface="Times New Roman"/>
+              <a:ea typeface="Times New Roman"/>
+              <a:cs typeface="Times New Roman"/>
+              <a:sym typeface="Times New Roman"/>
             </a:endParaRPr>
           </a:p>
           <a:p>
@@ -6489,25 +7109,25 @@
               <a:buNone/>
             </a:pPr>
             <a:r>
-              <a:rPr lang="es-419" sz="1120">
+              <a:rPr lang="es-419" sz="1220">
                 <a:solidFill>
                   <a:schemeClr val="dk1"/>
                 </a:solidFill>
-                <a:latin typeface="Roboto"/>
-                <a:ea typeface="Roboto"/>
-                <a:cs typeface="Roboto"/>
-                <a:sym typeface="Roboto"/>
+                <a:latin typeface="Times New Roman"/>
+                <a:ea typeface="Times New Roman"/>
+                <a:cs typeface="Times New Roman"/>
+                <a:sym typeface="Times New Roman"/>
               </a:rPr>
               <a:t>En este contexto, es fundamental comprender el papel de proyectos como el que se presenta a continuación, que buscan abordar las emisiones de CO2 y marcar una diferencia significativa en la preservación de nuestro planeta y las generaciones futuras.</a:t>
             </a:r>
-            <a:endParaRPr sz="1120">
+            <a:endParaRPr sz="1220">
               <a:solidFill>
                 <a:schemeClr val="dk1"/>
               </a:solidFill>
-              <a:latin typeface="Roboto"/>
-              <a:ea typeface="Roboto"/>
-              <a:cs typeface="Roboto"/>
-              <a:sym typeface="Roboto"/>
+              <a:latin typeface="Times New Roman"/>
+              <a:ea typeface="Times New Roman"/>
+              <a:cs typeface="Times New Roman"/>
+              <a:sym typeface="Times New Roman"/>
             </a:endParaRPr>
           </a:p>
           <a:p>
@@ -6527,10 +7147,14 @@
             <a:r>
               <a:t/>
             </a:r>
-            <a:endParaRPr sz="1035">
+            <a:endParaRPr sz="1135">
               <a:solidFill>
-                <a:srgbClr val="000000"/>
+                <a:schemeClr val="dk1"/>
               </a:solidFill>
+              <a:latin typeface="Times New Roman"/>
+              <a:ea typeface="Times New Roman"/>
+              <a:cs typeface="Times New Roman"/>
+              <a:sym typeface="Times New Roman"/>
             </a:endParaRPr>
           </a:p>
           <a:p>
@@ -6550,7 +7174,15 @@
             <a:r>
               <a:t/>
             </a:r>
-            <a:endParaRPr sz="1530"/>
+            <a:endParaRPr sz="1629">
+              <a:solidFill>
+                <a:schemeClr val="dk1"/>
+              </a:solidFill>
+              <a:latin typeface="Times New Roman"/>
+              <a:ea typeface="Times New Roman"/>
+              <a:cs typeface="Times New Roman"/>
+              <a:sym typeface="Times New Roman"/>
+            </a:endParaRPr>
           </a:p>
         </p:txBody>
       </p:sp>
@@ -6562,12 +7194,12 @@
 </p:sld>
 </file>
 
-<file path=ppt/slides/slide3.xml><?xml version="1.0" encoding="utf-8"?>
+<file path=ppt/slides/slide4.xml><?xml version="1.0" encoding="utf-8"?>
 <p:sld xmlns:a="http://schemas.openxmlformats.org/drawingml/2006/main" xmlns:r="http://schemas.openxmlformats.org/officeDocument/2006/relationships" xmlns:mc="http://schemas.openxmlformats.org/markup-compatibility/2006" xmlns:mv="urn:schemas-microsoft-com:mac:vml" xmlns:p="http://schemas.openxmlformats.org/presentationml/2006/main" xmlns:c="http://schemas.openxmlformats.org/drawingml/2006/chart" xmlns:dgm="http://schemas.openxmlformats.org/drawingml/2006/diagram" xmlns:o="urn:schemas-microsoft-com:office:office" xmlns:v="urn:schemas-microsoft-com:vml" xmlns:pvml="urn:schemas-microsoft-com:office:powerpoint" xmlns:com="http://schemas.openxmlformats.org/drawingml/2006/compatibility" xmlns:p14="http://schemas.microsoft.com/office/powerpoint/2010/main" xmlns:p15="http://schemas.microsoft.com/office/powerpoint/2012/main" xmlns:ahyp="http://schemas.microsoft.com/office/drawing/2018/hyperlinkcolor">
   <p:cSld>
     <p:spTree>
       <p:nvGrpSpPr>
-        <p:cNvPr id="65" name="Shape 65"/>
+        <p:cNvPr id="72" name="Shape 72"/>
         <p:cNvGrpSpPr/>
         <p:nvPr/>
       </p:nvGrpSpPr>
@@ -6581,7 +7213,7 @@
       </p:grpSpPr>
       <p:sp>
         <p:nvSpPr>
-          <p:cNvPr id="66" name="Google Shape;66;p15"/>
+          <p:cNvPr id="73" name="Google Shape;73;p16"/>
           <p:cNvSpPr txBox="1"/>
           <p:nvPr>
             <p:ph type="title"/>
@@ -6612,16 +7244,26 @@
               <a:buNone/>
             </a:pPr>
             <a:r>
-              <a:rPr lang="es-419"/>
+              <a:rPr lang="es-419">
+                <a:latin typeface="Times New Roman"/>
+                <a:ea typeface="Times New Roman"/>
+                <a:cs typeface="Times New Roman"/>
+                <a:sym typeface="Times New Roman"/>
+              </a:rPr>
               <a:t>Contextualización</a:t>
             </a:r>
-            <a:endParaRPr/>
+            <a:endParaRPr>
+              <a:latin typeface="Times New Roman"/>
+              <a:ea typeface="Times New Roman"/>
+              <a:cs typeface="Times New Roman"/>
+              <a:sym typeface="Times New Roman"/>
+            </a:endParaRPr>
           </a:p>
         </p:txBody>
       </p:sp>
       <p:sp>
         <p:nvSpPr>
-          <p:cNvPr id="67" name="Google Shape;67;p15"/>
+          <p:cNvPr id="74" name="Google Shape;74;p16"/>
           <p:cNvSpPr txBox="1"/>
           <p:nvPr>
             <p:ph idx="1" type="body"/>
@@ -6656,25 +7298,25 @@
               <a:buNone/>
             </a:pPr>
             <a:r>
-              <a:rPr b="1" lang="es-419" sz="1210">
+              <a:rPr b="1" lang="es-419" sz="1310">
                 <a:solidFill>
                   <a:schemeClr val="dk1"/>
                 </a:solidFill>
-                <a:latin typeface="Roboto"/>
-                <a:ea typeface="Roboto"/>
-                <a:cs typeface="Roboto"/>
-                <a:sym typeface="Roboto"/>
+                <a:latin typeface="Times New Roman"/>
+                <a:ea typeface="Times New Roman"/>
+                <a:cs typeface="Times New Roman"/>
+                <a:sym typeface="Times New Roman"/>
               </a:rPr>
               <a:t>Introducción: Emisiones de CO2 desde los 2000 hasta el Presente y el Propósito de un Modelo Predictivo</a:t>
             </a:r>
-            <a:endParaRPr b="1" sz="1210">
+            <a:endParaRPr b="1" sz="1310">
               <a:solidFill>
                 <a:schemeClr val="dk1"/>
               </a:solidFill>
-              <a:latin typeface="Roboto"/>
-              <a:ea typeface="Roboto"/>
-              <a:cs typeface="Roboto"/>
-              <a:sym typeface="Roboto"/>
+              <a:latin typeface="Times New Roman"/>
+              <a:ea typeface="Times New Roman"/>
+              <a:cs typeface="Times New Roman"/>
+              <a:sym typeface="Times New Roman"/>
             </a:endParaRPr>
           </a:p>
           <a:p>
@@ -6692,25 +7334,25 @@
               <a:buNone/>
             </a:pPr>
             <a:r>
-              <a:rPr lang="es-419" sz="1210">
+              <a:rPr lang="es-419" sz="1310">
                 <a:solidFill>
                   <a:schemeClr val="dk1"/>
                 </a:solidFill>
-                <a:latin typeface="Roboto"/>
-                <a:ea typeface="Roboto"/>
-                <a:cs typeface="Roboto"/>
-                <a:sym typeface="Roboto"/>
+                <a:latin typeface="Times New Roman"/>
+                <a:ea typeface="Times New Roman"/>
+                <a:cs typeface="Times New Roman"/>
+                <a:sym typeface="Times New Roman"/>
               </a:rPr>
               <a:t>Desde el inicio del siglo XXI, el mundo ha sido testigo de un aumento constante y preocupante en las emisiones de dióxido de carbono (CO2). Estas emisiones, provenientes principalmente de actividades humanas como la industria, la generación de energía y el transporte, han escalado a niveles sin precedentes, desencadenando una crisis climática global.</a:t>
             </a:r>
-            <a:endParaRPr sz="1210">
+            <a:endParaRPr sz="1310">
               <a:solidFill>
                 <a:schemeClr val="dk1"/>
               </a:solidFill>
-              <a:latin typeface="Roboto"/>
-              <a:ea typeface="Roboto"/>
-              <a:cs typeface="Roboto"/>
-              <a:sym typeface="Roboto"/>
+              <a:latin typeface="Times New Roman"/>
+              <a:ea typeface="Times New Roman"/>
+              <a:cs typeface="Times New Roman"/>
+              <a:sym typeface="Times New Roman"/>
             </a:endParaRPr>
           </a:p>
           <a:p>
@@ -6728,25 +7370,25 @@
               <a:buNone/>
             </a:pPr>
             <a:r>
-              <a:rPr lang="es-419" sz="1210">
+              <a:rPr lang="es-419" sz="1310">
                 <a:solidFill>
                   <a:schemeClr val="dk1"/>
                 </a:solidFill>
-                <a:latin typeface="Roboto"/>
-                <a:ea typeface="Roboto"/>
-                <a:cs typeface="Roboto"/>
-                <a:sym typeface="Roboto"/>
+                <a:latin typeface="Times New Roman"/>
+                <a:ea typeface="Times New Roman"/>
+                <a:cs typeface="Times New Roman"/>
+                <a:sym typeface="Times New Roman"/>
               </a:rPr>
               <a:t>El análisis detallado de los datos recopilados desde el año 2000 hasta la actualidad ha sido el foco de un proyecto específico. El propósito fundamental de este proyecto es extraer información esencial a partir de estos datos históricos para desarrollar un modelo predictivo. Este modelo tiene como objetivo anticipar las tendencias futuras de las emisiones de CO2, proporcionando así una herramienta vital para comprender y abordar la urgencia de esta situación.</a:t>
             </a:r>
-            <a:endParaRPr sz="1210">
+            <a:endParaRPr sz="1310">
               <a:solidFill>
                 <a:schemeClr val="dk1"/>
               </a:solidFill>
-              <a:latin typeface="Roboto"/>
-              <a:ea typeface="Roboto"/>
-              <a:cs typeface="Roboto"/>
-              <a:sym typeface="Roboto"/>
+              <a:latin typeface="Times New Roman"/>
+              <a:ea typeface="Times New Roman"/>
+              <a:cs typeface="Times New Roman"/>
+              <a:sym typeface="Times New Roman"/>
             </a:endParaRPr>
           </a:p>
           <a:p>
@@ -6764,25 +7406,25 @@
               <a:buNone/>
             </a:pPr>
             <a:r>
-              <a:rPr lang="es-419" sz="1210">
+              <a:rPr lang="es-419" sz="1310">
                 <a:solidFill>
                   <a:schemeClr val="dk1"/>
                 </a:solidFill>
-                <a:latin typeface="Roboto"/>
-                <a:ea typeface="Roboto"/>
-                <a:cs typeface="Roboto"/>
-                <a:sym typeface="Roboto"/>
+                <a:latin typeface="Times New Roman"/>
+                <a:ea typeface="Times New Roman"/>
+                <a:cs typeface="Times New Roman"/>
+                <a:sym typeface="Times New Roman"/>
               </a:rPr>
               <a:t>Durante este período de tiempo, hemos sido testigos de un aumento drástico en la concentración atmosférica de CO2, un fenómeno que está íntimamente ligado al cambio climático y sus consecuencias devastadoras. El desarrollo de un modelo predictivo a partir de estos datos históricos no solo es crucial para comprender la trayectoria actual de las emisiones, sino que también abre la puerta hacia la posibilidad de tomar medidas preventivas y correctivas para un futuro más sostenible.</a:t>
             </a:r>
-            <a:endParaRPr sz="1210">
+            <a:endParaRPr sz="1310">
               <a:solidFill>
                 <a:schemeClr val="dk1"/>
               </a:solidFill>
-              <a:latin typeface="Roboto"/>
-              <a:ea typeface="Roboto"/>
-              <a:cs typeface="Roboto"/>
-              <a:sym typeface="Roboto"/>
+              <a:latin typeface="Times New Roman"/>
+              <a:ea typeface="Times New Roman"/>
+              <a:cs typeface="Times New Roman"/>
+              <a:sym typeface="Times New Roman"/>
             </a:endParaRPr>
           </a:p>
           <a:p>
@@ -6800,25 +7442,25 @@
               <a:buNone/>
             </a:pPr>
             <a:r>
-              <a:rPr lang="es-419" sz="1210">
+              <a:rPr lang="es-419" sz="1310">
                 <a:solidFill>
                   <a:schemeClr val="dk1"/>
                 </a:solidFill>
-                <a:latin typeface="Roboto"/>
-                <a:ea typeface="Roboto"/>
-                <a:cs typeface="Roboto"/>
-                <a:sym typeface="Roboto"/>
+                <a:latin typeface="Times New Roman"/>
+                <a:ea typeface="Times New Roman"/>
+                <a:cs typeface="Times New Roman"/>
+                <a:sym typeface="Times New Roman"/>
               </a:rPr>
               <a:t>Este proyecto no solo se trata de analizar datos del pasado; representa un esfuerzo significativo para proyectar el impacto de nuestras acciones presentes en el futuro. Utilizando técnicas avanzadas de análisis de datos y modelado, se busca trazar un camino hacia la reducción efectiva de las emisiones de CO2, contribuyendo así a la mitigación del cambio climático y al desarrollo de estrategias más efectivas para preservar nuestro entorno.</a:t>
             </a:r>
-            <a:endParaRPr sz="1210">
+            <a:endParaRPr sz="1310">
               <a:solidFill>
                 <a:schemeClr val="dk1"/>
               </a:solidFill>
-              <a:latin typeface="Roboto"/>
-              <a:ea typeface="Roboto"/>
-              <a:cs typeface="Roboto"/>
-              <a:sym typeface="Roboto"/>
+              <a:latin typeface="Times New Roman"/>
+              <a:ea typeface="Times New Roman"/>
+              <a:cs typeface="Times New Roman"/>
+              <a:sym typeface="Times New Roman"/>
             </a:endParaRPr>
           </a:p>
           <a:p>
@@ -6838,324 +7480,15 @@
             <a:r>
               <a:t/>
             </a:r>
-            <a:endParaRPr sz="1665"/>
+            <a:endParaRPr sz="1765">
+              <a:latin typeface="Times New Roman"/>
+              <a:ea typeface="Times New Roman"/>
+              <a:cs typeface="Times New Roman"/>
+              <a:sym typeface="Times New Roman"/>
+            </a:endParaRPr>
           </a:p>
         </p:txBody>
       </p:sp>
-    </p:spTree>
-  </p:cSld>
-  <p:clrMapOvr>
-    <a:masterClrMapping/>
-  </p:clrMapOvr>
-</p:sld>
-</file>
-
-<file path=ppt/slides/slide4.xml><?xml version="1.0" encoding="utf-8"?>
-<p:sld xmlns:a="http://schemas.openxmlformats.org/drawingml/2006/main" xmlns:r="http://schemas.openxmlformats.org/officeDocument/2006/relationships" xmlns:mc="http://schemas.openxmlformats.org/markup-compatibility/2006" xmlns:mv="urn:schemas-microsoft-com:mac:vml" xmlns:p="http://schemas.openxmlformats.org/presentationml/2006/main" xmlns:c="http://schemas.openxmlformats.org/drawingml/2006/chart" xmlns:dgm="http://schemas.openxmlformats.org/drawingml/2006/diagram" xmlns:o="urn:schemas-microsoft-com:office:office" xmlns:v="urn:schemas-microsoft-com:vml" xmlns:pvml="urn:schemas-microsoft-com:office:powerpoint" xmlns:com="http://schemas.openxmlformats.org/drawingml/2006/compatibility" xmlns:p14="http://schemas.microsoft.com/office/powerpoint/2010/main" xmlns:p15="http://schemas.microsoft.com/office/powerpoint/2012/main" xmlns:ahyp="http://schemas.microsoft.com/office/drawing/2018/hyperlinkcolor">
-  <p:cSld>
-    <p:spTree>
-      <p:nvGrpSpPr>
-        <p:cNvPr id="71" name="Shape 71"/>
-        <p:cNvGrpSpPr/>
-        <p:nvPr/>
-      </p:nvGrpSpPr>
-      <p:grpSpPr>
-        <a:xfrm>
-          <a:off x="0" y="0"/>
-          <a:ext cx="0" cy="0"/>
-          <a:chOff x="0" y="0"/>
-          <a:chExt cx="0" cy="0"/>
-        </a:xfrm>
-      </p:grpSpPr>
-      <p:sp>
-        <p:nvSpPr>
-          <p:cNvPr id="72" name="Google Shape;72;p16"/>
-          <p:cNvSpPr txBox="1"/>
-          <p:nvPr>
-            <p:ph type="title"/>
-          </p:nvPr>
-        </p:nvSpPr>
-        <p:spPr>
-          <a:xfrm>
-            <a:off x="164075" y="149400"/>
-            <a:ext cx="3130200" cy="572700"/>
-          </a:xfrm>
-          <a:prstGeom prst="rect">
-            <a:avLst/>
-          </a:prstGeom>
-        </p:spPr>
-        <p:txBody>
-          <a:bodyPr anchorCtr="0" anchor="t" bIns="91425" lIns="91425" spcFirstLastPara="1" rIns="91425" wrap="square" tIns="91425">
-            <a:normAutofit fontScale="90000"/>
-          </a:bodyPr>
-          <a:lstStyle/>
-          <a:p>
-            <a:pPr indent="0" lvl="0" marL="0" rtl="0" algn="l">
-              <a:spcBef>
-                <a:spcPts val="0"/>
-              </a:spcBef>
-              <a:spcAft>
-                <a:spcPts val="0"/>
-              </a:spcAft>
-              <a:buNone/>
-            </a:pPr>
-            <a:r>
-              <a:rPr lang="es-419"/>
-              <a:t>Emisiones de CO2 </a:t>
-            </a:r>
-            <a:endParaRPr/>
-          </a:p>
-        </p:txBody>
-      </p:sp>
-      <p:sp>
-        <p:nvSpPr>
-          <p:cNvPr id="73" name="Google Shape;73;p16"/>
-          <p:cNvSpPr txBox="1"/>
-          <p:nvPr>
-            <p:ph idx="1" type="body"/>
-          </p:nvPr>
-        </p:nvSpPr>
-        <p:spPr>
-          <a:xfrm>
-            <a:off x="164075" y="722100"/>
-            <a:ext cx="2912700" cy="3978600"/>
-          </a:xfrm>
-          <a:prstGeom prst="rect">
-            <a:avLst/>
-          </a:prstGeom>
-        </p:spPr>
-        <p:txBody>
-          <a:bodyPr anchorCtr="0" anchor="t" bIns="91425" lIns="91425" spcFirstLastPara="1" rIns="91425" wrap="square" tIns="91425">
-            <a:normAutofit fontScale="25000" lnSpcReduction="20000"/>
-          </a:bodyPr>
-          <a:lstStyle/>
-          <a:p>
-            <a:pPr indent="0" lvl="0" marL="0" rtl="0" algn="l">
-              <a:spcBef>
-                <a:spcPts val="0"/>
-              </a:spcBef>
-              <a:spcAft>
-                <a:spcPts val="0"/>
-              </a:spcAft>
-              <a:buNone/>
-            </a:pPr>
-            <a:r>
-              <a:rPr lang="es-419" sz="3400">
-                <a:solidFill>
-                  <a:schemeClr val="dk1"/>
-                </a:solidFill>
-              </a:rPr>
-              <a:t>Las emisiones globales de dióxido de carbono (CO2) han experimentado un aumento alarmante en las últimas décadas, desencadenando preocupaciones a nivel mundial debido a su impacto directo en el cambio climático. Provenientes principalmente de actividades antropogénicas como la quema de combustibles fósiles, la deforestación, la industrialización y la agricultura, estas emisiones han alcanzado niveles sin precedentes.</a:t>
-            </a:r>
-            <a:endParaRPr sz="3400">
-              <a:solidFill>
-                <a:schemeClr val="dk1"/>
-              </a:solidFill>
-            </a:endParaRPr>
-          </a:p>
-          <a:p>
-            <a:pPr indent="0" lvl="0" marL="0" rtl="0" algn="l">
-              <a:spcBef>
-                <a:spcPts val="1200"/>
-              </a:spcBef>
-              <a:spcAft>
-                <a:spcPts val="0"/>
-              </a:spcAft>
-              <a:buNone/>
-            </a:pPr>
-            <a:r>
-              <a:rPr lang="es-419" sz="3400">
-                <a:solidFill>
-                  <a:schemeClr val="dk1"/>
-                </a:solidFill>
-              </a:rPr>
-              <a:t>Este aumento constante en las emisiones de CO2 está directamente relacionado con el aumento de la concentración de este gas de efecto invernadero en la atmósfera. Desde la Revolución Industrial, las actividades humanas han liberado grandes cantidades de CO2, contribuyendo significativamente al calentamiento global y al cambio climático.</a:t>
-            </a:r>
-            <a:endParaRPr sz="3400">
-              <a:solidFill>
-                <a:schemeClr val="dk1"/>
-              </a:solidFill>
-            </a:endParaRPr>
-          </a:p>
-          <a:p>
-            <a:pPr indent="0" lvl="0" marL="0" rtl="0" algn="l">
-              <a:spcBef>
-                <a:spcPts val="1200"/>
-              </a:spcBef>
-              <a:spcAft>
-                <a:spcPts val="0"/>
-              </a:spcAft>
-              <a:buNone/>
-            </a:pPr>
-            <a:r>
-              <a:rPr lang="es-419" sz="3400">
-                <a:solidFill>
-                  <a:schemeClr val="dk1"/>
-                </a:solidFill>
-              </a:rPr>
-              <a:t>Los informes científicos han revelado un vínculo innegable entre las emisiones de CO2 y fenómenos climáticos extremos. Olas de calor más frecuentes e intensas, tormentas más destructivas, sequías prolongadas e inundaciones catastróficas son algunas de las manifestaciones evidentes de este desequilibrio climático.</a:t>
-            </a:r>
-            <a:endParaRPr sz="3400">
-              <a:solidFill>
-                <a:schemeClr val="dk1"/>
-              </a:solidFill>
-            </a:endParaRPr>
-          </a:p>
-          <a:p>
-            <a:pPr indent="0" lvl="0" marL="0" rtl="0" algn="l">
-              <a:spcBef>
-                <a:spcPts val="1200"/>
-              </a:spcBef>
-              <a:spcAft>
-                <a:spcPts val="0"/>
-              </a:spcAft>
-              <a:buNone/>
-            </a:pPr>
-            <a:r>
-              <a:rPr lang="es-419" sz="3400">
-                <a:solidFill>
-                  <a:schemeClr val="dk1"/>
-                </a:solidFill>
-              </a:rPr>
-              <a:t>La concentración atmosférica de CO2 ha superado las 400 partes por millón (ppm), un umbral crítico que no se había alcanzado en los últimos 800,000 años, según datos de registros de muestras de hielo. Este nivel elevado de CO2 está exacerbando el efecto invernadero, atrapando más calor en la atmósfera y contribuyendo al aumento de la temperatura global.</a:t>
-            </a:r>
-            <a:endParaRPr sz="3400">
-              <a:solidFill>
-                <a:schemeClr val="dk1"/>
-              </a:solidFill>
-            </a:endParaRPr>
-          </a:p>
-          <a:p>
-            <a:pPr indent="0" lvl="0" marL="0" rtl="0" algn="l">
-              <a:spcBef>
-                <a:spcPts val="1200"/>
-              </a:spcBef>
-              <a:spcAft>
-                <a:spcPts val="0"/>
-              </a:spcAft>
-              <a:buNone/>
-            </a:pPr>
-            <a:r>
-              <a:t/>
-            </a:r>
-            <a:endParaRPr sz="3400">
-              <a:solidFill>
-                <a:schemeClr val="dk1"/>
-              </a:solidFill>
-            </a:endParaRPr>
-          </a:p>
-          <a:p>
-            <a:pPr indent="0" lvl="0" marL="0" rtl="0" algn="l">
-              <a:spcBef>
-                <a:spcPts val="1200"/>
-              </a:spcBef>
-              <a:spcAft>
-                <a:spcPts val="0"/>
-              </a:spcAft>
-              <a:buNone/>
-            </a:pPr>
-            <a:r>
-              <a:rPr lang="es-419" sz="3400">
-                <a:solidFill>
-                  <a:schemeClr val="dk1"/>
-                </a:solidFill>
-              </a:rPr>
-              <a:t>La lucha contra las emisiones de CO2 se ha convertido en una prioridad mundial. Diversos esfuerzos a nivel local, nacional e internacional están dirigidos a reducir estas emisiones mediante la implementación de políticas ambientales más estrictas, la transición hacia energías renovables, la promoción de la eficiencia energética y la adopción de prácticas sostenibles en la industria y la agricultura.</a:t>
-            </a:r>
-            <a:endParaRPr sz="3400">
-              <a:solidFill>
-                <a:schemeClr val="dk1"/>
-              </a:solidFill>
-            </a:endParaRPr>
-          </a:p>
-          <a:p>
-            <a:pPr indent="0" lvl="0" marL="0" rtl="0" algn="l">
-              <a:spcBef>
-                <a:spcPts val="1200"/>
-              </a:spcBef>
-              <a:spcAft>
-                <a:spcPts val="0"/>
-              </a:spcAft>
-              <a:buNone/>
-            </a:pPr>
-            <a:r>
-              <a:t/>
-            </a:r>
-            <a:endParaRPr sz="3400">
-              <a:solidFill>
-                <a:schemeClr val="dk1"/>
-              </a:solidFill>
-            </a:endParaRPr>
-          </a:p>
-          <a:p>
-            <a:pPr indent="0" lvl="0" marL="0" rtl="0" algn="l">
-              <a:spcBef>
-                <a:spcPts val="1200"/>
-              </a:spcBef>
-              <a:spcAft>
-                <a:spcPts val="0"/>
-              </a:spcAft>
-              <a:buNone/>
-            </a:pPr>
-            <a:r>
-              <a:rPr lang="es-419" sz="3400">
-                <a:solidFill>
-                  <a:schemeClr val="dk1"/>
-                </a:solidFill>
-              </a:rPr>
-              <a:t>Es fundamental comprender que las emisiones globales de CO2 son un desafío colectivo que requiere acciones coordinadas y urgentes. La conciencia pública y el compromiso con la mitigación de las emisiones son pasos cruciales para enfrentar este desafío y trabajar hacia un futuro más sostenible y resiliente para las generaciones venideras."</a:t>
-            </a:r>
-            <a:endParaRPr sz="3400">
-              <a:solidFill>
-                <a:schemeClr val="dk1"/>
-              </a:solidFill>
-            </a:endParaRPr>
-          </a:p>
-          <a:p>
-            <a:pPr indent="0" lvl="0" marL="0" rtl="0" algn="l">
-              <a:spcBef>
-                <a:spcPts val="1200"/>
-              </a:spcBef>
-              <a:spcAft>
-                <a:spcPts val="1200"/>
-              </a:spcAft>
-              <a:buNone/>
-            </a:pPr>
-            <a:r>
-              <a:t/>
-            </a:r>
-            <a:endParaRPr/>
-          </a:p>
-        </p:txBody>
-      </p:sp>
-      <p:pic>
-        <p:nvPicPr>
-          <p:cNvPr id="74" name="Google Shape;74;p16"/>
-          <p:cNvPicPr preferRelativeResize="0"/>
-          <p:nvPr/>
-        </p:nvPicPr>
-        <p:blipFill>
-          <a:blip r:embed="rId3">
-            <a:alphaModFix/>
-          </a:blip>
-          <a:stretch>
-            <a:fillRect/>
-          </a:stretch>
-        </p:blipFill>
-        <p:spPr>
-          <a:xfrm>
-            <a:off x="3488575" y="799800"/>
-            <a:ext cx="5485225" cy="3846776"/>
-          </a:xfrm>
-          <a:prstGeom prst="rect">
-            <a:avLst/>
-          </a:prstGeom>
-          <a:noFill/>
-          <a:ln>
-            <a:noFill/>
-          </a:ln>
-        </p:spPr>
-      </p:pic>
     </p:spTree>
   </p:cSld>
   <p:clrMapOvr>
@@ -7191,6 +7524,1225 @@
         </p:nvSpPr>
         <p:spPr>
           <a:xfrm>
+            <a:off x="311700" y="445025"/>
+            <a:ext cx="8520600" cy="572700"/>
+          </a:xfrm>
+          <a:prstGeom prst="rect">
+            <a:avLst/>
+          </a:prstGeom>
+        </p:spPr>
+        <p:txBody>
+          <a:bodyPr anchorCtr="0" anchor="t" bIns="91425" lIns="91425" spcFirstLastPara="1" rIns="91425" wrap="square" tIns="91425">
+            <a:normAutofit fontScale="90000"/>
+          </a:bodyPr>
+          <a:lstStyle/>
+          <a:p>
+            <a:pPr indent="0" lvl="0" marL="0" rtl="0" algn="l">
+              <a:spcBef>
+                <a:spcPts val="0"/>
+              </a:spcBef>
+              <a:spcAft>
+                <a:spcPts val="0"/>
+              </a:spcAft>
+              <a:buNone/>
+            </a:pPr>
+            <a:r>
+              <a:rPr lang="es-419">
+                <a:latin typeface="Times New Roman"/>
+                <a:ea typeface="Times New Roman"/>
+                <a:cs typeface="Times New Roman"/>
+                <a:sym typeface="Times New Roman"/>
+              </a:rPr>
+              <a:t>Preguntas a la hora de analizar las emisiones de CO2</a:t>
+            </a:r>
+            <a:endParaRPr>
+              <a:latin typeface="Times New Roman"/>
+              <a:ea typeface="Times New Roman"/>
+              <a:cs typeface="Times New Roman"/>
+              <a:sym typeface="Times New Roman"/>
+            </a:endParaRPr>
+          </a:p>
+        </p:txBody>
+      </p:sp>
+      <p:sp>
+        <p:nvSpPr>
+          <p:cNvPr id="80" name="Google Shape;80;p17"/>
+          <p:cNvSpPr txBox="1"/>
+          <p:nvPr>
+            <p:ph idx="1" type="body"/>
+          </p:nvPr>
+        </p:nvSpPr>
+        <p:spPr>
+          <a:xfrm>
+            <a:off x="311700" y="1152475"/>
+            <a:ext cx="8520600" cy="3416400"/>
+          </a:xfrm>
+          <a:prstGeom prst="rect">
+            <a:avLst/>
+          </a:prstGeom>
+        </p:spPr>
+        <p:txBody>
+          <a:bodyPr anchorCtr="0" anchor="t" bIns="91425" lIns="91425" spcFirstLastPara="1" rIns="91425" wrap="square" tIns="91425">
+            <a:normAutofit/>
+          </a:bodyPr>
+          <a:lstStyle/>
+          <a:p>
+            <a:pPr indent="-342900" lvl="0" marL="457200" rtl="0" algn="l">
+              <a:spcBef>
+                <a:spcPts val="0"/>
+              </a:spcBef>
+              <a:spcAft>
+                <a:spcPts val="0"/>
+              </a:spcAft>
+              <a:buSzPts val="1800"/>
+              <a:buFont typeface="Times New Roman"/>
+              <a:buChar char="●"/>
+            </a:pPr>
+            <a:r>
+              <a:rPr lang="es-419">
+                <a:latin typeface="Times New Roman"/>
+                <a:ea typeface="Times New Roman"/>
+                <a:cs typeface="Times New Roman"/>
+                <a:sym typeface="Times New Roman"/>
+              </a:rPr>
+              <a:t>Donde se presentan la </a:t>
+            </a:r>
+            <a:r>
+              <a:rPr lang="es-419">
+                <a:latin typeface="Times New Roman"/>
+                <a:ea typeface="Times New Roman"/>
+                <a:cs typeface="Times New Roman"/>
+                <a:sym typeface="Times New Roman"/>
+              </a:rPr>
+              <a:t>mayoría</a:t>
+            </a:r>
+            <a:r>
+              <a:rPr lang="es-419">
+                <a:latin typeface="Times New Roman"/>
+                <a:ea typeface="Times New Roman"/>
+                <a:cs typeface="Times New Roman"/>
+                <a:sym typeface="Times New Roman"/>
+              </a:rPr>
+              <a:t> de las emisiones?</a:t>
+            </a:r>
+            <a:endParaRPr>
+              <a:latin typeface="Times New Roman"/>
+              <a:ea typeface="Times New Roman"/>
+              <a:cs typeface="Times New Roman"/>
+              <a:sym typeface="Times New Roman"/>
+            </a:endParaRPr>
+          </a:p>
+          <a:p>
+            <a:pPr indent="0" lvl="0" marL="457200" rtl="0" algn="l">
+              <a:spcBef>
+                <a:spcPts val="1200"/>
+              </a:spcBef>
+              <a:spcAft>
+                <a:spcPts val="0"/>
+              </a:spcAft>
+              <a:buNone/>
+            </a:pPr>
+            <a:r>
+              <a:t/>
+            </a:r>
+            <a:endParaRPr>
+              <a:latin typeface="Times New Roman"/>
+              <a:ea typeface="Times New Roman"/>
+              <a:cs typeface="Times New Roman"/>
+              <a:sym typeface="Times New Roman"/>
+            </a:endParaRPr>
+          </a:p>
+          <a:p>
+            <a:pPr indent="-342900" lvl="0" marL="457200" rtl="0" algn="l">
+              <a:spcBef>
+                <a:spcPts val="1200"/>
+              </a:spcBef>
+              <a:spcAft>
+                <a:spcPts val="0"/>
+              </a:spcAft>
+              <a:buSzPts val="1800"/>
+              <a:buFont typeface="Times New Roman"/>
+              <a:buChar char="●"/>
+            </a:pPr>
+            <a:r>
+              <a:rPr lang="es-419">
+                <a:latin typeface="Times New Roman"/>
+                <a:ea typeface="Times New Roman"/>
+                <a:cs typeface="Times New Roman"/>
+                <a:sym typeface="Times New Roman"/>
+              </a:rPr>
+              <a:t>En q</a:t>
+            </a:r>
+            <a:r>
+              <a:rPr lang="es-419">
+                <a:latin typeface="Times New Roman"/>
+                <a:ea typeface="Times New Roman"/>
+                <a:cs typeface="Times New Roman"/>
+                <a:sym typeface="Times New Roman"/>
+              </a:rPr>
+              <a:t>ué</a:t>
+            </a:r>
+            <a:r>
+              <a:rPr lang="es-419">
+                <a:latin typeface="Times New Roman"/>
+                <a:ea typeface="Times New Roman"/>
+                <a:cs typeface="Times New Roman"/>
+                <a:sym typeface="Times New Roman"/>
+              </a:rPr>
+              <a:t> sectores se distribuye la mayor cantidad de CO2 emitido?</a:t>
+            </a:r>
+            <a:endParaRPr>
+              <a:latin typeface="Times New Roman"/>
+              <a:ea typeface="Times New Roman"/>
+              <a:cs typeface="Times New Roman"/>
+              <a:sym typeface="Times New Roman"/>
+            </a:endParaRPr>
+          </a:p>
+          <a:p>
+            <a:pPr indent="0" lvl="0" marL="457200" rtl="0" algn="l">
+              <a:spcBef>
+                <a:spcPts val="1200"/>
+              </a:spcBef>
+              <a:spcAft>
+                <a:spcPts val="0"/>
+              </a:spcAft>
+              <a:buNone/>
+            </a:pPr>
+            <a:r>
+              <a:t/>
+            </a:r>
+            <a:endParaRPr>
+              <a:latin typeface="Times New Roman"/>
+              <a:ea typeface="Times New Roman"/>
+              <a:cs typeface="Times New Roman"/>
+              <a:sym typeface="Times New Roman"/>
+            </a:endParaRPr>
+          </a:p>
+          <a:p>
+            <a:pPr indent="-342900" lvl="0" marL="457200" rtl="0" algn="l">
+              <a:spcBef>
+                <a:spcPts val="1200"/>
+              </a:spcBef>
+              <a:spcAft>
+                <a:spcPts val="0"/>
+              </a:spcAft>
+              <a:buSzPts val="1800"/>
+              <a:buFont typeface="Times New Roman"/>
+              <a:buChar char="●"/>
+            </a:pPr>
+            <a:r>
+              <a:rPr lang="es-419">
+                <a:latin typeface="Times New Roman"/>
+                <a:ea typeface="Times New Roman"/>
+                <a:cs typeface="Times New Roman"/>
+                <a:sym typeface="Times New Roman"/>
+              </a:rPr>
+              <a:t>Siempre fueron </a:t>
+            </a:r>
+            <a:r>
+              <a:rPr lang="es-419">
+                <a:latin typeface="Times New Roman"/>
+                <a:ea typeface="Times New Roman"/>
+                <a:cs typeface="Times New Roman"/>
+                <a:sym typeface="Times New Roman"/>
+              </a:rPr>
+              <a:t>así</a:t>
+            </a:r>
+            <a:r>
+              <a:rPr lang="es-419">
+                <a:latin typeface="Times New Roman"/>
+                <a:ea typeface="Times New Roman"/>
+                <a:cs typeface="Times New Roman"/>
+                <a:sym typeface="Times New Roman"/>
+              </a:rPr>
+              <a:t> las emisiones o a lo largo del tiempo fueron </a:t>
+            </a:r>
+            <a:r>
+              <a:rPr lang="es-419">
+                <a:latin typeface="Times New Roman"/>
+                <a:ea typeface="Times New Roman"/>
+                <a:cs typeface="Times New Roman"/>
+                <a:sym typeface="Times New Roman"/>
+              </a:rPr>
+              <a:t>incrementando</a:t>
+            </a:r>
+            <a:r>
+              <a:rPr lang="es-419">
+                <a:latin typeface="Times New Roman"/>
+                <a:ea typeface="Times New Roman"/>
+                <a:cs typeface="Times New Roman"/>
+                <a:sym typeface="Times New Roman"/>
+              </a:rPr>
+              <a:t>?</a:t>
+            </a:r>
+            <a:endParaRPr>
+              <a:latin typeface="Times New Roman"/>
+              <a:ea typeface="Times New Roman"/>
+              <a:cs typeface="Times New Roman"/>
+              <a:sym typeface="Times New Roman"/>
+            </a:endParaRPr>
+          </a:p>
+          <a:p>
+            <a:pPr indent="0" lvl="0" marL="457200" rtl="0" algn="l">
+              <a:spcBef>
+                <a:spcPts val="1200"/>
+              </a:spcBef>
+              <a:spcAft>
+                <a:spcPts val="0"/>
+              </a:spcAft>
+              <a:buNone/>
+            </a:pPr>
+            <a:r>
+              <a:t/>
+            </a:r>
+            <a:endParaRPr>
+              <a:latin typeface="Times New Roman"/>
+              <a:ea typeface="Times New Roman"/>
+              <a:cs typeface="Times New Roman"/>
+              <a:sym typeface="Times New Roman"/>
+            </a:endParaRPr>
+          </a:p>
+          <a:p>
+            <a:pPr indent="-342900" lvl="0" marL="457200" rtl="0" algn="l">
+              <a:spcBef>
+                <a:spcPts val="1200"/>
+              </a:spcBef>
+              <a:spcAft>
+                <a:spcPts val="0"/>
+              </a:spcAft>
+              <a:buSzPts val="1800"/>
+              <a:buFont typeface="Times New Roman"/>
+              <a:buChar char="●"/>
+            </a:pPr>
+            <a:r>
+              <a:rPr lang="es-419">
+                <a:latin typeface="Times New Roman"/>
+                <a:ea typeface="Times New Roman"/>
+                <a:cs typeface="Times New Roman"/>
+                <a:sym typeface="Times New Roman"/>
+              </a:rPr>
+              <a:t>Que modelos son los mas acordes para el analisis y prediccion de estas emisiones?</a:t>
+            </a:r>
+            <a:endParaRPr>
+              <a:latin typeface="Times New Roman"/>
+              <a:ea typeface="Times New Roman"/>
+              <a:cs typeface="Times New Roman"/>
+              <a:sym typeface="Times New Roman"/>
+            </a:endParaRPr>
+          </a:p>
+        </p:txBody>
+      </p:sp>
+    </p:spTree>
+  </p:cSld>
+  <p:clrMapOvr>
+    <a:masterClrMapping/>
+  </p:clrMapOvr>
+</p:sld>
+</file>
+
+<file path=ppt/slides/slide6.xml><?xml version="1.0" encoding="utf-8"?>
+<p:sld xmlns:a="http://schemas.openxmlformats.org/drawingml/2006/main" xmlns:r="http://schemas.openxmlformats.org/officeDocument/2006/relationships" xmlns:mc="http://schemas.openxmlformats.org/markup-compatibility/2006" xmlns:mv="urn:schemas-microsoft-com:mac:vml" xmlns:p="http://schemas.openxmlformats.org/presentationml/2006/main" xmlns:c="http://schemas.openxmlformats.org/drawingml/2006/chart" xmlns:dgm="http://schemas.openxmlformats.org/drawingml/2006/diagram" xmlns:o="urn:schemas-microsoft-com:office:office" xmlns:v="urn:schemas-microsoft-com:vml" xmlns:pvml="urn:schemas-microsoft-com:office:powerpoint" xmlns:com="http://schemas.openxmlformats.org/drawingml/2006/compatibility" xmlns:p14="http://schemas.microsoft.com/office/powerpoint/2010/main" xmlns:p15="http://schemas.microsoft.com/office/powerpoint/2012/main" xmlns:ahyp="http://schemas.microsoft.com/office/drawing/2018/hyperlinkcolor">
+  <p:cSld>
+    <p:bg>
+      <p:bgPr>
+        <a:blipFill>
+          <a:blip r:embed="rId3">
+            <a:alphaModFix/>
+          </a:blip>
+          <a:stretch>
+            <a:fillRect/>
+          </a:stretch>
+        </a:blipFill>
+      </p:bgPr>
+    </p:bg>
+    <p:spTree>
+      <p:nvGrpSpPr>
+        <p:cNvPr id="84" name="Shape 84"/>
+        <p:cNvGrpSpPr/>
+        <p:nvPr/>
+      </p:nvGrpSpPr>
+      <p:grpSpPr>
+        <a:xfrm>
+          <a:off x="0" y="0"/>
+          <a:ext cx="0" cy="0"/>
+          <a:chOff x="0" y="0"/>
+          <a:chExt cx="0" cy="0"/>
+        </a:xfrm>
+      </p:grpSpPr>
+      <p:pic>
+        <p:nvPicPr>
+          <p:cNvPr id="85" name="Google Shape;85;p18"/>
+          <p:cNvPicPr preferRelativeResize="0"/>
+          <p:nvPr/>
+        </p:nvPicPr>
+        <p:blipFill>
+          <a:blip r:embed="rId4">
+            <a:alphaModFix/>
+          </a:blip>
+          <a:stretch>
+            <a:fillRect/>
+          </a:stretch>
+        </p:blipFill>
+        <p:spPr>
+          <a:xfrm>
+            <a:off x="4066050" y="975225"/>
+            <a:ext cx="4969025" cy="3759925"/>
+          </a:xfrm>
+          <a:prstGeom prst="rect">
+            <a:avLst/>
+          </a:prstGeom>
+          <a:noFill/>
+          <a:ln>
+            <a:noFill/>
+          </a:ln>
+        </p:spPr>
+      </p:pic>
+      <p:sp>
+        <p:nvSpPr>
+          <p:cNvPr id="86" name="Google Shape;86;p18"/>
+          <p:cNvSpPr txBox="1"/>
+          <p:nvPr/>
+        </p:nvSpPr>
+        <p:spPr>
+          <a:xfrm>
+            <a:off x="432600" y="789925"/>
+            <a:ext cx="3311100" cy="3311700"/>
+          </a:xfrm>
+          <a:prstGeom prst="rect">
+            <a:avLst/>
+          </a:prstGeom>
+          <a:noFill/>
+          <a:ln>
+            <a:noFill/>
+          </a:ln>
+        </p:spPr>
+        <p:txBody>
+          <a:bodyPr anchorCtr="0" anchor="t" bIns="91425" lIns="91425" spcFirstLastPara="1" rIns="91425" wrap="square" tIns="91425">
+            <a:noAutofit/>
+          </a:bodyPr>
+          <a:lstStyle/>
+          <a:p>
+            <a:pPr indent="0" lvl="0" marL="0" rtl="0" algn="l">
+              <a:spcBef>
+                <a:spcPts val="0"/>
+              </a:spcBef>
+              <a:spcAft>
+                <a:spcPts val="0"/>
+              </a:spcAft>
+              <a:buNone/>
+            </a:pPr>
+            <a:r>
+              <a:rPr lang="es-419" sz="1000">
+                <a:solidFill>
+                  <a:schemeClr val="lt1"/>
+                </a:solidFill>
+                <a:latin typeface="Times New Roman"/>
+                <a:ea typeface="Times New Roman"/>
+                <a:cs typeface="Times New Roman"/>
+                <a:sym typeface="Times New Roman"/>
+              </a:rPr>
+              <a:t>Transporte: Con las emisiones más altas, alrededor de 5000 kt, lo que sugiere que el sector del transporte es una de las mayores fuentes de emisiones de CO2.</a:t>
+            </a:r>
+            <a:endParaRPr sz="1000">
+              <a:solidFill>
+                <a:schemeClr val="lt1"/>
+              </a:solidFill>
+              <a:latin typeface="Times New Roman"/>
+              <a:ea typeface="Times New Roman"/>
+              <a:cs typeface="Times New Roman"/>
+              <a:sym typeface="Times New Roman"/>
+            </a:endParaRPr>
+          </a:p>
+          <a:p>
+            <a:pPr indent="0" lvl="0" marL="0" rtl="0" algn="l">
+              <a:spcBef>
+                <a:spcPts val="0"/>
+              </a:spcBef>
+              <a:spcAft>
+                <a:spcPts val="0"/>
+              </a:spcAft>
+              <a:buNone/>
+            </a:pPr>
+            <a:r>
+              <a:t/>
+            </a:r>
+            <a:endParaRPr sz="1000">
+              <a:solidFill>
+                <a:schemeClr val="lt1"/>
+              </a:solidFill>
+              <a:latin typeface="Times New Roman"/>
+              <a:ea typeface="Times New Roman"/>
+              <a:cs typeface="Times New Roman"/>
+              <a:sym typeface="Times New Roman"/>
+            </a:endParaRPr>
+          </a:p>
+          <a:p>
+            <a:pPr indent="0" lvl="0" marL="0" rtl="0" algn="l">
+              <a:spcBef>
+                <a:spcPts val="0"/>
+              </a:spcBef>
+              <a:spcAft>
+                <a:spcPts val="0"/>
+              </a:spcAft>
+              <a:buNone/>
+            </a:pPr>
+            <a:r>
+              <a:rPr lang="es-419" sz="1000">
+                <a:solidFill>
+                  <a:schemeClr val="lt1"/>
+                </a:solidFill>
+                <a:latin typeface="Times New Roman"/>
+                <a:ea typeface="Times New Roman"/>
+                <a:cs typeface="Times New Roman"/>
+                <a:sym typeface="Times New Roman"/>
+              </a:rPr>
+              <a:t>Energía: Con alrededor de 6000 kt, lo que indica que el sector de energía (posiblemente incluyendo la generación de electricidad, la industria del petróleo y el gas, entre otros) es otra fuente significativa de emisiones.</a:t>
+            </a:r>
+            <a:endParaRPr sz="1000">
+              <a:solidFill>
+                <a:schemeClr val="lt1"/>
+              </a:solidFill>
+              <a:latin typeface="Times New Roman"/>
+              <a:ea typeface="Times New Roman"/>
+              <a:cs typeface="Times New Roman"/>
+              <a:sym typeface="Times New Roman"/>
+            </a:endParaRPr>
+          </a:p>
+          <a:p>
+            <a:pPr indent="0" lvl="0" marL="0" rtl="0" algn="l">
+              <a:spcBef>
+                <a:spcPts val="0"/>
+              </a:spcBef>
+              <a:spcAft>
+                <a:spcPts val="0"/>
+              </a:spcAft>
+              <a:buNone/>
+            </a:pPr>
+            <a:r>
+              <a:t/>
+            </a:r>
+            <a:endParaRPr sz="1000">
+              <a:solidFill>
+                <a:schemeClr val="lt1"/>
+              </a:solidFill>
+              <a:latin typeface="Times New Roman"/>
+              <a:ea typeface="Times New Roman"/>
+              <a:cs typeface="Times New Roman"/>
+              <a:sym typeface="Times New Roman"/>
+            </a:endParaRPr>
+          </a:p>
+          <a:p>
+            <a:pPr indent="0" lvl="0" marL="0" rtl="0" algn="l">
+              <a:spcBef>
+                <a:spcPts val="0"/>
+              </a:spcBef>
+              <a:spcAft>
+                <a:spcPts val="0"/>
+              </a:spcAft>
+              <a:buNone/>
+            </a:pPr>
+            <a:r>
+              <a:rPr lang="es-419" sz="1000">
+                <a:solidFill>
+                  <a:schemeClr val="lt1"/>
+                </a:solidFill>
+                <a:latin typeface="Times New Roman"/>
+                <a:ea typeface="Times New Roman"/>
+                <a:cs typeface="Times New Roman"/>
+                <a:sym typeface="Times New Roman"/>
+              </a:rPr>
+              <a:t>Industria:Con alrededor de 3000 kt, lo que sugiere que aunque contribuye menos que el transporte y la energía, aún es una fuente considerable de emisiones de CO2.</a:t>
+            </a:r>
+            <a:endParaRPr sz="1000">
+              <a:solidFill>
+                <a:schemeClr val="lt1"/>
+              </a:solidFill>
+              <a:latin typeface="Times New Roman"/>
+              <a:ea typeface="Times New Roman"/>
+              <a:cs typeface="Times New Roman"/>
+              <a:sym typeface="Times New Roman"/>
+            </a:endParaRPr>
+          </a:p>
+          <a:p>
+            <a:pPr indent="0" lvl="0" marL="0" rtl="0" algn="l">
+              <a:spcBef>
+                <a:spcPts val="0"/>
+              </a:spcBef>
+              <a:spcAft>
+                <a:spcPts val="0"/>
+              </a:spcAft>
+              <a:buNone/>
+            </a:pPr>
+            <a:r>
+              <a:t/>
+            </a:r>
+            <a:endParaRPr sz="1000">
+              <a:solidFill>
+                <a:schemeClr val="lt1"/>
+              </a:solidFill>
+              <a:latin typeface="Times New Roman"/>
+              <a:ea typeface="Times New Roman"/>
+              <a:cs typeface="Times New Roman"/>
+              <a:sym typeface="Times New Roman"/>
+            </a:endParaRPr>
+          </a:p>
+          <a:p>
+            <a:pPr indent="0" lvl="0" marL="0" rtl="0" algn="l">
+              <a:spcBef>
+                <a:spcPts val="0"/>
+              </a:spcBef>
+              <a:spcAft>
+                <a:spcPts val="0"/>
+              </a:spcAft>
+              <a:buNone/>
+            </a:pPr>
+            <a:r>
+              <a:rPr lang="es-419" sz="1000">
+                <a:solidFill>
+                  <a:schemeClr val="lt1"/>
+                </a:solidFill>
+                <a:latin typeface="Times New Roman"/>
+                <a:ea typeface="Times New Roman"/>
+                <a:cs typeface="Times New Roman"/>
+                <a:sym typeface="Times New Roman"/>
+              </a:rPr>
+              <a:t>Agricultura: Con alrededor de 2500 kt, lo que muestra que la agricultura también es una fuente importante de emisiones, aunque menor en comparación con el transporte y la energía.</a:t>
+            </a:r>
+            <a:endParaRPr sz="1000">
+              <a:solidFill>
+                <a:schemeClr val="lt1"/>
+              </a:solidFill>
+              <a:latin typeface="Times New Roman"/>
+              <a:ea typeface="Times New Roman"/>
+              <a:cs typeface="Times New Roman"/>
+              <a:sym typeface="Times New Roman"/>
+            </a:endParaRPr>
+          </a:p>
+          <a:p>
+            <a:pPr indent="0" lvl="0" marL="0" rtl="0" algn="l">
+              <a:spcBef>
+                <a:spcPts val="0"/>
+              </a:spcBef>
+              <a:spcAft>
+                <a:spcPts val="0"/>
+              </a:spcAft>
+              <a:buNone/>
+            </a:pPr>
+            <a:r>
+              <a:t/>
+            </a:r>
+            <a:endParaRPr sz="1000">
+              <a:solidFill>
+                <a:schemeClr val="lt1"/>
+              </a:solidFill>
+              <a:latin typeface="Times New Roman"/>
+              <a:ea typeface="Times New Roman"/>
+              <a:cs typeface="Times New Roman"/>
+              <a:sym typeface="Times New Roman"/>
+            </a:endParaRPr>
+          </a:p>
+          <a:p>
+            <a:pPr indent="0" lvl="0" marL="0" rtl="0" algn="l">
+              <a:spcBef>
+                <a:spcPts val="0"/>
+              </a:spcBef>
+              <a:spcAft>
+                <a:spcPts val="0"/>
+              </a:spcAft>
+              <a:buNone/>
+            </a:pPr>
+            <a:r>
+              <a:rPr lang="es-419" sz="1000">
+                <a:solidFill>
+                  <a:schemeClr val="lt1"/>
+                </a:solidFill>
+                <a:latin typeface="Times New Roman"/>
+                <a:ea typeface="Times New Roman"/>
+                <a:cs typeface="Times New Roman"/>
+                <a:sym typeface="Times New Roman"/>
+              </a:rPr>
+              <a:t>Residencial: Con alrededor de 2000 kt, lo que indica que las actividades residenciales (posiblemente relacionadas con el uso de energía en hogares) contribuyen significativamente a las emisiones, aunque menos que los otros sectores mencionados.</a:t>
+            </a:r>
+            <a:endParaRPr sz="1000">
+              <a:solidFill>
+                <a:schemeClr val="lt1"/>
+              </a:solidFill>
+              <a:latin typeface="Times New Roman"/>
+              <a:ea typeface="Times New Roman"/>
+              <a:cs typeface="Times New Roman"/>
+              <a:sym typeface="Times New Roman"/>
+            </a:endParaRPr>
+          </a:p>
+          <a:p>
+            <a:pPr indent="0" lvl="0" marL="0" rtl="0" algn="l">
+              <a:spcBef>
+                <a:spcPts val="0"/>
+              </a:spcBef>
+              <a:spcAft>
+                <a:spcPts val="0"/>
+              </a:spcAft>
+              <a:buNone/>
+            </a:pPr>
+            <a:r>
+              <a:t/>
+            </a:r>
+            <a:endParaRPr sz="1000">
+              <a:solidFill>
+                <a:schemeClr val="lt1"/>
+              </a:solidFill>
+              <a:latin typeface="Times New Roman"/>
+              <a:ea typeface="Times New Roman"/>
+              <a:cs typeface="Times New Roman"/>
+              <a:sym typeface="Times New Roman"/>
+            </a:endParaRPr>
+          </a:p>
+          <a:p>
+            <a:pPr indent="0" lvl="0" marL="0" rtl="0" algn="l">
+              <a:spcBef>
+                <a:spcPts val="0"/>
+              </a:spcBef>
+              <a:spcAft>
+                <a:spcPts val="0"/>
+              </a:spcAft>
+              <a:buNone/>
+            </a:pPr>
+            <a:r>
+              <a:rPr lang="es-419" sz="1000">
+                <a:solidFill>
+                  <a:schemeClr val="lt1"/>
+                </a:solidFill>
+                <a:latin typeface="Times New Roman"/>
+                <a:ea typeface="Times New Roman"/>
+                <a:cs typeface="Times New Roman"/>
+                <a:sym typeface="Times New Roman"/>
+              </a:rPr>
+              <a:t>Estos datos son valiosos para comprender qué sectores tienen un mayor impacto en las emisiones de CO2.</a:t>
+            </a:r>
+            <a:endParaRPr sz="1000">
+              <a:solidFill>
+                <a:schemeClr val="lt1"/>
+              </a:solidFill>
+              <a:latin typeface="Times New Roman"/>
+              <a:ea typeface="Times New Roman"/>
+              <a:cs typeface="Times New Roman"/>
+              <a:sym typeface="Times New Roman"/>
+            </a:endParaRPr>
+          </a:p>
+        </p:txBody>
+      </p:sp>
+      <p:sp>
+        <p:nvSpPr>
+          <p:cNvPr id="87" name="Google Shape;87;p18"/>
+          <p:cNvSpPr txBox="1"/>
+          <p:nvPr/>
+        </p:nvSpPr>
+        <p:spPr>
+          <a:xfrm>
+            <a:off x="499050" y="302425"/>
+            <a:ext cx="3727800" cy="487500"/>
+          </a:xfrm>
+          <a:prstGeom prst="rect">
+            <a:avLst/>
+          </a:prstGeom>
+          <a:noFill/>
+          <a:ln>
+            <a:noFill/>
+          </a:ln>
+        </p:spPr>
+        <p:txBody>
+          <a:bodyPr anchorCtr="0" anchor="t" bIns="91425" lIns="91425" spcFirstLastPara="1" rIns="91425" wrap="square" tIns="91425">
+            <a:noAutofit/>
+          </a:bodyPr>
+          <a:lstStyle/>
+          <a:p>
+            <a:pPr indent="0" lvl="0" marL="0" rtl="0" algn="l">
+              <a:spcBef>
+                <a:spcPts val="0"/>
+              </a:spcBef>
+              <a:spcAft>
+                <a:spcPts val="0"/>
+              </a:spcAft>
+              <a:buNone/>
+            </a:pPr>
+            <a:r>
+              <a:rPr lang="es-419" sz="1800">
+                <a:solidFill>
+                  <a:schemeClr val="lt1"/>
+                </a:solidFill>
+                <a:latin typeface="Times New Roman"/>
+                <a:ea typeface="Times New Roman"/>
+                <a:cs typeface="Times New Roman"/>
+                <a:sym typeface="Times New Roman"/>
+              </a:rPr>
+              <a:t>Distribución</a:t>
+            </a:r>
+            <a:r>
+              <a:rPr lang="es-419" sz="1800">
+                <a:solidFill>
+                  <a:schemeClr val="lt1"/>
+                </a:solidFill>
+                <a:latin typeface="Times New Roman"/>
+                <a:ea typeface="Times New Roman"/>
+                <a:cs typeface="Times New Roman"/>
+                <a:sym typeface="Times New Roman"/>
+              </a:rPr>
+              <a:t> de Emisiones </a:t>
+            </a:r>
+            <a:endParaRPr sz="1800">
+              <a:solidFill>
+                <a:schemeClr val="lt1"/>
+              </a:solidFill>
+              <a:latin typeface="Times New Roman"/>
+              <a:ea typeface="Times New Roman"/>
+              <a:cs typeface="Times New Roman"/>
+              <a:sym typeface="Times New Roman"/>
+            </a:endParaRPr>
+          </a:p>
+        </p:txBody>
+      </p:sp>
+    </p:spTree>
+  </p:cSld>
+  <p:clrMapOvr>
+    <a:masterClrMapping/>
+  </p:clrMapOvr>
+</p:sld>
+</file>
+
+<file path=ppt/slides/slide7.xml><?xml version="1.0" encoding="utf-8"?>
+<p:sld xmlns:a="http://schemas.openxmlformats.org/drawingml/2006/main" xmlns:r="http://schemas.openxmlformats.org/officeDocument/2006/relationships" xmlns:mc="http://schemas.openxmlformats.org/markup-compatibility/2006" xmlns:mv="urn:schemas-microsoft-com:mac:vml" xmlns:p="http://schemas.openxmlformats.org/presentationml/2006/main" xmlns:c="http://schemas.openxmlformats.org/drawingml/2006/chart" xmlns:dgm="http://schemas.openxmlformats.org/drawingml/2006/diagram" xmlns:o="urn:schemas-microsoft-com:office:office" xmlns:v="urn:schemas-microsoft-com:vml" xmlns:pvml="urn:schemas-microsoft-com:office:powerpoint" xmlns:com="http://schemas.openxmlformats.org/drawingml/2006/compatibility" xmlns:p14="http://schemas.microsoft.com/office/powerpoint/2010/main" xmlns:p15="http://schemas.microsoft.com/office/powerpoint/2012/main" xmlns:ahyp="http://schemas.microsoft.com/office/drawing/2018/hyperlinkcolor">
+  <p:cSld>
+    <p:bg>
+      <p:bgPr>
+        <a:blipFill>
+          <a:blip r:embed="rId3">
+            <a:alphaModFix/>
+          </a:blip>
+          <a:stretch>
+            <a:fillRect/>
+          </a:stretch>
+        </a:blipFill>
+      </p:bgPr>
+    </p:bg>
+    <p:spTree>
+      <p:nvGrpSpPr>
+        <p:cNvPr id="91" name="Shape 91"/>
+        <p:cNvGrpSpPr/>
+        <p:nvPr/>
+      </p:nvGrpSpPr>
+      <p:grpSpPr>
+        <a:xfrm>
+          <a:off x="0" y="0"/>
+          <a:ext cx="0" cy="0"/>
+          <a:chOff x="0" y="0"/>
+          <a:chExt cx="0" cy="0"/>
+        </a:xfrm>
+      </p:grpSpPr>
+      <p:sp>
+        <p:nvSpPr>
+          <p:cNvPr id="92" name="Google Shape;92;p19"/>
+          <p:cNvSpPr txBox="1"/>
+          <p:nvPr>
+            <p:ph type="title"/>
+          </p:nvPr>
+        </p:nvSpPr>
+        <p:spPr>
+          <a:xfrm>
+            <a:off x="164075" y="149400"/>
+            <a:ext cx="3130200" cy="572700"/>
+          </a:xfrm>
+          <a:prstGeom prst="rect">
+            <a:avLst/>
+          </a:prstGeom>
+        </p:spPr>
+        <p:txBody>
+          <a:bodyPr anchorCtr="0" anchor="t" bIns="91425" lIns="91425" spcFirstLastPara="1" rIns="91425" wrap="square" tIns="91425">
+            <a:normAutofit fontScale="90000"/>
+          </a:bodyPr>
+          <a:lstStyle/>
+          <a:p>
+            <a:pPr indent="0" lvl="0" marL="0" rtl="0" algn="l">
+              <a:spcBef>
+                <a:spcPts val="0"/>
+              </a:spcBef>
+              <a:spcAft>
+                <a:spcPts val="0"/>
+              </a:spcAft>
+              <a:buNone/>
+            </a:pPr>
+            <a:r>
+              <a:rPr lang="es-419">
+                <a:solidFill>
+                  <a:schemeClr val="lt1"/>
+                </a:solidFill>
+                <a:latin typeface="Times New Roman"/>
+                <a:ea typeface="Times New Roman"/>
+                <a:cs typeface="Times New Roman"/>
+                <a:sym typeface="Times New Roman"/>
+              </a:rPr>
+              <a:t>Emisiones de CO2 </a:t>
+            </a:r>
+            <a:endParaRPr>
+              <a:solidFill>
+                <a:schemeClr val="lt1"/>
+              </a:solidFill>
+              <a:latin typeface="Times New Roman"/>
+              <a:ea typeface="Times New Roman"/>
+              <a:cs typeface="Times New Roman"/>
+              <a:sym typeface="Times New Roman"/>
+            </a:endParaRPr>
+          </a:p>
+        </p:txBody>
+      </p:sp>
+      <p:sp>
+        <p:nvSpPr>
+          <p:cNvPr id="93" name="Google Shape;93;p19"/>
+          <p:cNvSpPr txBox="1"/>
+          <p:nvPr>
+            <p:ph idx="1" type="body"/>
+          </p:nvPr>
+        </p:nvSpPr>
+        <p:spPr>
+          <a:xfrm>
+            <a:off x="164075" y="722100"/>
+            <a:ext cx="4656900" cy="3978600"/>
+          </a:xfrm>
+          <a:prstGeom prst="rect">
+            <a:avLst/>
+          </a:prstGeom>
+        </p:spPr>
+        <p:txBody>
+          <a:bodyPr anchorCtr="0" anchor="t" bIns="91425" lIns="91425" spcFirstLastPara="1" rIns="91425" wrap="square" tIns="91425">
+            <a:normAutofit fontScale="25000" lnSpcReduction="20000"/>
+          </a:bodyPr>
+          <a:lstStyle/>
+          <a:p>
+            <a:pPr indent="0" lvl="0" marL="0" rtl="0" algn="l">
+              <a:spcBef>
+                <a:spcPts val="0"/>
+              </a:spcBef>
+              <a:spcAft>
+                <a:spcPts val="0"/>
+              </a:spcAft>
+              <a:buNone/>
+            </a:pPr>
+            <a:r>
+              <a:rPr lang="es-419" sz="3400">
+                <a:solidFill>
+                  <a:schemeClr val="lt1"/>
+                </a:solidFill>
+                <a:highlight>
+                  <a:schemeClr val="dk1"/>
+                </a:highlight>
+                <a:latin typeface="Times New Roman"/>
+                <a:ea typeface="Times New Roman"/>
+                <a:cs typeface="Times New Roman"/>
+                <a:sym typeface="Times New Roman"/>
+              </a:rPr>
+              <a:t>Las emisiones globales de dióxido de carbono (CO2) han experimentado un aumento alarmante en las últimas décadas, desencadenando preocupaciones a nivel mundial debido a su impacto directo en el cambio climático. Provenientes principalmente de actividades antropogénicas como la quema de combustibles fósiles, la deforestación, la industrialización y la agricultura, estas emisiones han alcanzado niveles sin precedentes.</a:t>
+            </a:r>
+            <a:endParaRPr sz="3400">
+              <a:solidFill>
+                <a:schemeClr val="lt1"/>
+              </a:solidFill>
+              <a:highlight>
+                <a:schemeClr val="dk1"/>
+              </a:highlight>
+              <a:latin typeface="Times New Roman"/>
+              <a:ea typeface="Times New Roman"/>
+              <a:cs typeface="Times New Roman"/>
+              <a:sym typeface="Times New Roman"/>
+            </a:endParaRPr>
+          </a:p>
+          <a:p>
+            <a:pPr indent="0" lvl="0" marL="0" rtl="0" algn="l">
+              <a:spcBef>
+                <a:spcPts val="1200"/>
+              </a:spcBef>
+              <a:spcAft>
+                <a:spcPts val="0"/>
+              </a:spcAft>
+              <a:buNone/>
+            </a:pPr>
+            <a:r>
+              <a:rPr lang="es-419" sz="3400">
+                <a:solidFill>
+                  <a:schemeClr val="lt1"/>
+                </a:solidFill>
+                <a:highlight>
+                  <a:schemeClr val="dk1"/>
+                </a:highlight>
+                <a:latin typeface="Times New Roman"/>
+                <a:ea typeface="Times New Roman"/>
+                <a:cs typeface="Times New Roman"/>
+                <a:sym typeface="Times New Roman"/>
+              </a:rPr>
+              <a:t>Este aumento constante en las emisiones de CO2 está directamente relacionado con el aumento de la concentración de este gas de efecto invernadero en la atmósfera. Desde la Revolución Industrial, las actividades humanas han liberado grandes cantidades de CO2, contribuyendo significativamente al calentamiento global y al cambio climático.</a:t>
+            </a:r>
+            <a:endParaRPr sz="3400">
+              <a:solidFill>
+                <a:schemeClr val="lt1"/>
+              </a:solidFill>
+              <a:highlight>
+                <a:schemeClr val="dk1"/>
+              </a:highlight>
+              <a:latin typeface="Times New Roman"/>
+              <a:ea typeface="Times New Roman"/>
+              <a:cs typeface="Times New Roman"/>
+              <a:sym typeface="Times New Roman"/>
+            </a:endParaRPr>
+          </a:p>
+          <a:p>
+            <a:pPr indent="0" lvl="0" marL="0" rtl="0" algn="l">
+              <a:spcBef>
+                <a:spcPts val="1200"/>
+              </a:spcBef>
+              <a:spcAft>
+                <a:spcPts val="0"/>
+              </a:spcAft>
+              <a:buNone/>
+            </a:pPr>
+            <a:r>
+              <a:rPr lang="es-419" sz="3400">
+                <a:solidFill>
+                  <a:schemeClr val="lt1"/>
+                </a:solidFill>
+                <a:highlight>
+                  <a:schemeClr val="dk1"/>
+                </a:highlight>
+                <a:latin typeface="Times New Roman"/>
+                <a:ea typeface="Times New Roman"/>
+                <a:cs typeface="Times New Roman"/>
+                <a:sym typeface="Times New Roman"/>
+              </a:rPr>
+              <a:t>Los informes científicos han revelado un vínculo innegable entre las emisiones de CO2 y fenómenos climáticos extremos. Olas de calor más frecuentes e intensas, tormentas más destructivas, sequías prolongadas e inundaciones catastróficas son algunas de las manifestaciones evidentes de este desequilibrio climático.</a:t>
+            </a:r>
+            <a:endParaRPr sz="3400">
+              <a:solidFill>
+                <a:schemeClr val="lt1"/>
+              </a:solidFill>
+              <a:highlight>
+                <a:schemeClr val="dk1"/>
+              </a:highlight>
+              <a:latin typeface="Times New Roman"/>
+              <a:ea typeface="Times New Roman"/>
+              <a:cs typeface="Times New Roman"/>
+              <a:sym typeface="Times New Roman"/>
+            </a:endParaRPr>
+          </a:p>
+          <a:p>
+            <a:pPr indent="0" lvl="0" marL="0" rtl="0" algn="l">
+              <a:spcBef>
+                <a:spcPts val="1200"/>
+              </a:spcBef>
+              <a:spcAft>
+                <a:spcPts val="0"/>
+              </a:spcAft>
+              <a:buNone/>
+            </a:pPr>
+            <a:r>
+              <a:rPr lang="es-419" sz="3400">
+                <a:solidFill>
+                  <a:schemeClr val="lt1"/>
+                </a:solidFill>
+                <a:highlight>
+                  <a:schemeClr val="dk1"/>
+                </a:highlight>
+                <a:latin typeface="Times New Roman"/>
+                <a:ea typeface="Times New Roman"/>
+                <a:cs typeface="Times New Roman"/>
+                <a:sym typeface="Times New Roman"/>
+              </a:rPr>
+              <a:t>La concentración atmosférica de CO2 ha superado las 400 partes por millón (ppm), un umbral crítico que no se había alcanzado en los últimos 800,000 años, según datos de registros de muestras de hielo. Este nivel elevado de CO2 está exacerbando el efecto invernadero, atrapando más calor en la atmósfera y contribuyendo al aumento de la temperatura global.</a:t>
+            </a:r>
+            <a:endParaRPr sz="3400">
+              <a:solidFill>
+                <a:schemeClr val="lt1"/>
+              </a:solidFill>
+              <a:highlight>
+                <a:schemeClr val="dk1"/>
+              </a:highlight>
+              <a:latin typeface="Times New Roman"/>
+              <a:ea typeface="Times New Roman"/>
+              <a:cs typeface="Times New Roman"/>
+              <a:sym typeface="Times New Roman"/>
+            </a:endParaRPr>
+          </a:p>
+          <a:p>
+            <a:pPr indent="0" lvl="0" marL="0" rtl="0" algn="l">
+              <a:spcBef>
+                <a:spcPts val="1200"/>
+              </a:spcBef>
+              <a:spcAft>
+                <a:spcPts val="0"/>
+              </a:spcAft>
+              <a:buNone/>
+            </a:pPr>
+            <a:r>
+              <a:rPr lang="es-419" sz="3400">
+                <a:solidFill>
+                  <a:schemeClr val="lt1"/>
+                </a:solidFill>
+                <a:highlight>
+                  <a:schemeClr val="dk1"/>
+                </a:highlight>
+                <a:latin typeface="Times New Roman"/>
+                <a:ea typeface="Times New Roman"/>
+                <a:cs typeface="Times New Roman"/>
+                <a:sym typeface="Times New Roman"/>
+              </a:rPr>
+              <a:t>La lucha contra las emisiones de CO2 se ha convertido en una prioridad mundial. Diversos esfuerzos a nivel local, nacional e internacional están dirigidos a reducir estas emisiones mediante la implementación de políticas ambientales más estrictas, la transición hacia energías renovables, la promoción de la eficiencia energética y la adopción de prácticas sostenibles en la industria y la agricultura.</a:t>
+            </a:r>
+            <a:endParaRPr sz="3400">
+              <a:solidFill>
+                <a:schemeClr val="lt1"/>
+              </a:solidFill>
+              <a:highlight>
+                <a:schemeClr val="dk1"/>
+              </a:highlight>
+              <a:latin typeface="Times New Roman"/>
+              <a:ea typeface="Times New Roman"/>
+              <a:cs typeface="Times New Roman"/>
+              <a:sym typeface="Times New Roman"/>
+            </a:endParaRPr>
+          </a:p>
+          <a:p>
+            <a:pPr indent="0" lvl="0" marL="0" rtl="0" algn="l">
+              <a:spcBef>
+                <a:spcPts val="1200"/>
+              </a:spcBef>
+              <a:spcAft>
+                <a:spcPts val="0"/>
+              </a:spcAft>
+              <a:buNone/>
+            </a:pPr>
+            <a:r>
+              <a:rPr lang="es-419" sz="3400">
+                <a:solidFill>
+                  <a:schemeClr val="lt1"/>
+                </a:solidFill>
+                <a:highlight>
+                  <a:schemeClr val="dk1"/>
+                </a:highlight>
+                <a:latin typeface="Times New Roman"/>
+                <a:ea typeface="Times New Roman"/>
+                <a:cs typeface="Times New Roman"/>
+                <a:sym typeface="Times New Roman"/>
+              </a:rPr>
+              <a:t>Es fundamental comprender que las emisiones globales de CO2 son un desafío colectivo que requiere acciones coordinadas y urgentes. La conciencia pública y el compromiso con la mitigación de las emisiones son pasos cruciales para enfrentar este desafío y trabajar hacia un futuro más sostenible y resiliente para las generaciones venideras."</a:t>
+            </a:r>
+            <a:endParaRPr sz="3400">
+              <a:solidFill>
+                <a:schemeClr val="lt1"/>
+              </a:solidFill>
+              <a:highlight>
+                <a:schemeClr val="dk1"/>
+              </a:highlight>
+              <a:latin typeface="Times New Roman"/>
+              <a:ea typeface="Times New Roman"/>
+              <a:cs typeface="Times New Roman"/>
+              <a:sym typeface="Times New Roman"/>
+            </a:endParaRPr>
+          </a:p>
+          <a:p>
+            <a:pPr indent="0" lvl="0" marL="0" rtl="0" algn="l">
+              <a:spcBef>
+                <a:spcPts val="1200"/>
+              </a:spcBef>
+              <a:spcAft>
+                <a:spcPts val="1200"/>
+              </a:spcAft>
+              <a:buNone/>
+            </a:pPr>
+            <a:r>
+              <a:t/>
+            </a:r>
+            <a:endParaRPr>
+              <a:solidFill>
+                <a:schemeClr val="lt1"/>
+              </a:solidFill>
+              <a:latin typeface="Times New Roman"/>
+              <a:ea typeface="Times New Roman"/>
+              <a:cs typeface="Times New Roman"/>
+              <a:sym typeface="Times New Roman"/>
+            </a:endParaRPr>
+          </a:p>
+        </p:txBody>
+      </p:sp>
+      <p:pic>
+        <p:nvPicPr>
+          <p:cNvPr id="94" name="Google Shape;94;p19"/>
+          <p:cNvPicPr preferRelativeResize="0"/>
+          <p:nvPr/>
+        </p:nvPicPr>
+        <p:blipFill>
+          <a:blip r:embed="rId4">
+            <a:alphaModFix/>
+          </a:blip>
+          <a:stretch>
+            <a:fillRect/>
+          </a:stretch>
+        </p:blipFill>
+        <p:spPr>
+          <a:xfrm>
+            <a:off x="4789375" y="862700"/>
+            <a:ext cx="4291700" cy="3009760"/>
+          </a:xfrm>
+          <a:prstGeom prst="rect">
+            <a:avLst/>
+          </a:prstGeom>
+          <a:noFill/>
+          <a:ln>
+            <a:noFill/>
+          </a:ln>
+        </p:spPr>
+      </p:pic>
+    </p:spTree>
+  </p:cSld>
+  <p:clrMapOvr>
+    <a:masterClrMapping/>
+  </p:clrMapOvr>
+</p:sld>
+</file>
+
+<file path=ppt/slides/slide8.xml><?xml version="1.0" encoding="utf-8"?>
+<p:sld xmlns:a="http://schemas.openxmlformats.org/drawingml/2006/main" xmlns:r="http://schemas.openxmlformats.org/officeDocument/2006/relationships" xmlns:mc="http://schemas.openxmlformats.org/markup-compatibility/2006" xmlns:mv="urn:schemas-microsoft-com:mac:vml" xmlns:p="http://schemas.openxmlformats.org/presentationml/2006/main" xmlns:c="http://schemas.openxmlformats.org/drawingml/2006/chart" xmlns:dgm="http://schemas.openxmlformats.org/drawingml/2006/diagram" xmlns:o="urn:schemas-microsoft-com:office:office" xmlns:v="urn:schemas-microsoft-com:vml" xmlns:pvml="urn:schemas-microsoft-com:office:powerpoint" xmlns:com="http://schemas.openxmlformats.org/drawingml/2006/compatibility" xmlns:p14="http://schemas.microsoft.com/office/powerpoint/2010/main" xmlns:p15="http://schemas.microsoft.com/office/powerpoint/2012/main" xmlns:ahyp="http://schemas.microsoft.com/office/drawing/2018/hyperlinkcolor">
+  <p:cSld>
+    <p:bg>
+      <p:bgPr>
+        <a:blipFill>
+          <a:blip r:embed="rId3">
+            <a:alphaModFix/>
+          </a:blip>
+          <a:stretch>
+            <a:fillRect/>
+          </a:stretch>
+        </a:blipFill>
+      </p:bgPr>
+    </p:bg>
+    <p:spTree>
+      <p:nvGrpSpPr>
+        <p:cNvPr id="98" name="Shape 98"/>
+        <p:cNvGrpSpPr/>
+        <p:nvPr/>
+      </p:nvGrpSpPr>
+      <p:grpSpPr>
+        <a:xfrm>
+          <a:off x="0" y="0"/>
+          <a:ext cx="0" cy="0"/>
+          <a:chOff x="0" y="0"/>
+          <a:chExt cx="0" cy="0"/>
+        </a:xfrm>
+      </p:grpSpPr>
+      <p:sp>
+        <p:nvSpPr>
+          <p:cNvPr id="99" name="Google Shape;99;p20"/>
+          <p:cNvSpPr txBox="1"/>
+          <p:nvPr>
+            <p:ph type="title"/>
+          </p:nvPr>
+        </p:nvSpPr>
+        <p:spPr>
+          <a:xfrm>
             <a:off x="311700" y="179200"/>
             <a:ext cx="4592700" cy="572700"/>
           </a:xfrm>
@@ -7214,20 +8766,35 @@
               <a:buNone/>
             </a:pPr>
             <a:r>
-              <a:rPr lang="es-419"/>
+              <a:rPr lang="es-419">
+                <a:latin typeface="Times New Roman"/>
+                <a:ea typeface="Times New Roman"/>
+                <a:cs typeface="Times New Roman"/>
+                <a:sym typeface="Times New Roman"/>
+              </a:rPr>
               <a:t>Análisis</a:t>
             </a:r>
             <a:r>
-              <a:rPr lang="es-419"/>
+              <a:rPr lang="es-419">
+                <a:latin typeface="Times New Roman"/>
+                <a:ea typeface="Times New Roman"/>
+                <a:cs typeface="Times New Roman"/>
+                <a:sym typeface="Times New Roman"/>
+              </a:rPr>
               <a:t> de Emisiones de CO2</a:t>
             </a:r>
-            <a:endParaRPr/>
+            <a:endParaRPr>
+              <a:latin typeface="Times New Roman"/>
+              <a:ea typeface="Times New Roman"/>
+              <a:cs typeface="Times New Roman"/>
+              <a:sym typeface="Times New Roman"/>
+            </a:endParaRPr>
           </a:p>
         </p:txBody>
       </p:sp>
       <p:sp>
         <p:nvSpPr>
-          <p:cNvPr id="80" name="Google Shape;80;p17"/>
+          <p:cNvPr id="100" name="Google Shape;100;p20"/>
           <p:cNvSpPr txBox="1"/>
           <p:nvPr>
             <p:ph idx="1" type="body"/>
@@ -7266,10 +8833,10 @@
                 <a:solidFill>
                   <a:schemeClr val="dk1"/>
                 </a:solidFill>
-                <a:latin typeface="Roboto"/>
-                <a:ea typeface="Roboto"/>
-                <a:cs typeface="Roboto"/>
-                <a:sym typeface="Roboto"/>
+                <a:latin typeface="Times New Roman"/>
+                <a:ea typeface="Times New Roman"/>
+                <a:cs typeface="Times New Roman"/>
+                <a:sym typeface="Times New Roman"/>
               </a:rPr>
               <a:t>China, Estados Unidos y Canadá se encuentran entre los principales generadores de emisiones de dióxido de carbono (CO2) a nivel mundial, aunque su posición relativa puede variar dependiendo de los años y de los informes específicos.</a:t>
             </a:r>
@@ -7277,10 +8844,10 @@
               <a:solidFill>
                 <a:schemeClr val="dk1"/>
               </a:solidFill>
-              <a:latin typeface="Roboto"/>
-              <a:ea typeface="Roboto"/>
-              <a:cs typeface="Roboto"/>
-              <a:sym typeface="Roboto"/>
+              <a:latin typeface="Times New Roman"/>
+              <a:ea typeface="Times New Roman"/>
+              <a:cs typeface="Times New Roman"/>
+              <a:sym typeface="Times New Roman"/>
             </a:endParaRPr>
           </a:p>
           <a:p>
@@ -7302,10 +8869,10 @@
                 <a:solidFill>
                   <a:schemeClr val="dk1"/>
                 </a:solidFill>
-                <a:latin typeface="Roboto"/>
-                <a:ea typeface="Roboto"/>
-                <a:cs typeface="Roboto"/>
-                <a:sym typeface="Roboto"/>
+                <a:latin typeface="Times New Roman"/>
+                <a:ea typeface="Times New Roman"/>
+                <a:cs typeface="Times New Roman"/>
+                <a:sym typeface="Times New Roman"/>
               </a:rPr>
               <a:t>China</a:t>
             </a:r>
@@ -7313,10 +8880,10 @@
               <a:solidFill>
                 <a:schemeClr val="dk1"/>
               </a:solidFill>
-              <a:latin typeface="Roboto"/>
-              <a:ea typeface="Roboto"/>
-              <a:cs typeface="Roboto"/>
-              <a:sym typeface="Roboto"/>
+              <a:latin typeface="Times New Roman"/>
+              <a:ea typeface="Times New Roman"/>
+              <a:cs typeface="Times New Roman"/>
+              <a:sym typeface="Times New Roman"/>
             </a:endParaRPr>
           </a:p>
           <a:p>
@@ -7342,10 +8909,10 @@
                 <a:solidFill>
                   <a:schemeClr val="dk1"/>
                 </a:solidFill>
-                <a:latin typeface="Roboto"/>
-                <a:ea typeface="Roboto"/>
-                <a:cs typeface="Roboto"/>
-                <a:sym typeface="Roboto"/>
+                <a:latin typeface="Times New Roman"/>
+                <a:ea typeface="Times New Roman"/>
+                <a:cs typeface="Times New Roman"/>
+                <a:sym typeface="Times New Roman"/>
               </a:rPr>
               <a:t>Principal Emisor:</a:t>
             </a:r>
@@ -7354,10 +8921,10 @@
                 <a:solidFill>
                   <a:schemeClr val="dk1"/>
                 </a:solidFill>
-                <a:latin typeface="Roboto"/>
-                <a:ea typeface="Roboto"/>
-                <a:cs typeface="Roboto"/>
-                <a:sym typeface="Roboto"/>
+                <a:latin typeface="Times New Roman"/>
+                <a:ea typeface="Times New Roman"/>
+                <a:cs typeface="Times New Roman"/>
+                <a:sym typeface="Times New Roman"/>
               </a:rPr>
               <a:t> China ha sido el mayor emisor de CO2 durante varios años. Su rápido desarrollo industrial, su dependencia de la energía del carbón y su gran población han contribuido significativamente a sus emisiones.</a:t>
             </a:r>
@@ -7365,10 +8932,10 @@
               <a:solidFill>
                 <a:schemeClr val="dk1"/>
               </a:solidFill>
-              <a:latin typeface="Roboto"/>
-              <a:ea typeface="Roboto"/>
-              <a:cs typeface="Roboto"/>
-              <a:sym typeface="Roboto"/>
+              <a:latin typeface="Times New Roman"/>
+              <a:ea typeface="Times New Roman"/>
+              <a:cs typeface="Times New Roman"/>
+              <a:sym typeface="Times New Roman"/>
             </a:endParaRPr>
           </a:p>
           <a:p>
@@ -7390,10 +8957,10 @@
                 <a:solidFill>
                   <a:schemeClr val="dk1"/>
                 </a:solidFill>
-                <a:latin typeface="Roboto"/>
-                <a:ea typeface="Roboto"/>
-                <a:cs typeface="Roboto"/>
-                <a:sym typeface="Roboto"/>
+                <a:latin typeface="Times New Roman"/>
+                <a:ea typeface="Times New Roman"/>
+                <a:cs typeface="Times New Roman"/>
+                <a:sym typeface="Times New Roman"/>
               </a:rPr>
               <a:t>Estados Unidos</a:t>
             </a:r>
@@ -7401,10 +8968,10 @@
               <a:solidFill>
                 <a:schemeClr val="dk1"/>
               </a:solidFill>
-              <a:latin typeface="Roboto"/>
-              <a:ea typeface="Roboto"/>
-              <a:cs typeface="Roboto"/>
-              <a:sym typeface="Roboto"/>
+              <a:latin typeface="Times New Roman"/>
+              <a:ea typeface="Times New Roman"/>
+              <a:cs typeface="Times New Roman"/>
+              <a:sym typeface="Times New Roman"/>
             </a:endParaRPr>
           </a:p>
           <a:p>
@@ -7430,10 +8997,10 @@
                 <a:solidFill>
                   <a:schemeClr val="dk1"/>
                 </a:solidFill>
-                <a:latin typeface="Roboto"/>
-                <a:ea typeface="Roboto"/>
-                <a:cs typeface="Roboto"/>
-                <a:sym typeface="Roboto"/>
+                <a:latin typeface="Times New Roman"/>
+                <a:ea typeface="Times New Roman"/>
+                <a:cs typeface="Times New Roman"/>
+                <a:sym typeface="Times New Roman"/>
               </a:rPr>
               <a:t>Segundo Mayor Emisor:</a:t>
             </a:r>
@@ -7442,10 +9009,10 @@
                 <a:solidFill>
                   <a:schemeClr val="dk1"/>
                 </a:solidFill>
-                <a:latin typeface="Roboto"/>
-                <a:ea typeface="Roboto"/>
-                <a:cs typeface="Roboto"/>
-                <a:sym typeface="Roboto"/>
+                <a:latin typeface="Times New Roman"/>
+                <a:ea typeface="Times New Roman"/>
+                <a:cs typeface="Times New Roman"/>
+                <a:sym typeface="Times New Roman"/>
               </a:rPr>
               <a:t> A lo largo del tiempo, Estados Unidos ha sido consistentemente uno de los mayores emisores de CO2. La producción industrial, el consumo de energía y el transporte son factores clave en las emisiones de este país.</a:t>
             </a:r>
@@ -7453,10 +9020,10 @@
               <a:solidFill>
                 <a:schemeClr val="dk1"/>
               </a:solidFill>
-              <a:latin typeface="Roboto"/>
-              <a:ea typeface="Roboto"/>
-              <a:cs typeface="Roboto"/>
-              <a:sym typeface="Roboto"/>
+              <a:latin typeface="Times New Roman"/>
+              <a:ea typeface="Times New Roman"/>
+              <a:cs typeface="Times New Roman"/>
+              <a:sym typeface="Times New Roman"/>
             </a:endParaRPr>
           </a:p>
           <a:p>
@@ -7478,10 +9045,10 @@
                 <a:solidFill>
                   <a:schemeClr val="dk1"/>
                 </a:solidFill>
-                <a:latin typeface="Roboto"/>
-                <a:ea typeface="Roboto"/>
-                <a:cs typeface="Roboto"/>
-                <a:sym typeface="Roboto"/>
+                <a:latin typeface="Times New Roman"/>
+                <a:ea typeface="Times New Roman"/>
+                <a:cs typeface="Times New Roman"/>
+                <a:sym typeface="Times New Roman"/>
               </a:rPr>
               <a:t>Canadá</a:t>
             </a:r>
@@ -7489,10 +9056,10 @@
               <a:solidFill>
                 <a:schemeClr val="dk1"/>
               </a:solidFill>
-              <a:latin typeface="Roboto"/>
-              <a:ea typeface="Roboto"/>
-              <a:cs typeface="Roboto"/>
-              <a:sym typeface="Roboto"/>
+              <a:latin typeface="Times New Roman"/>
+              <a:ea typeface="Times New Roman"/>
+              <a:cs typeface="Times New Roman"/>
+              <a:sym typeface="Times New Roman"/>
             </a:endParaRPr>
           </a:p>
           <a:p>
@@ -7518,10 +9085,10 @@
                 <a:solidFill>
                   <a:schemeClr val="dk1"/>
                 </a:solidFill>
-                <a:latin typeface="Roboto"/>
-                <a:ea typeface="Roboto"/>
-                <a:cs typeface="Roboto"/>
-                <a:sym typeface="Roboto"/>
+                <a:latin typeface="Times New Roman"/>
+                <a:ea typeface="Times New Roman"/>
+                <a:cs typeface="Times New Roman"/>
+                <a:sym typeface="Times New Roman"/>
               </a:rPr>
               <a:t>Emisiones Per Cápita Significativas:</a:t>
             </a:r>
@@ -7530,10 +9097,10 @@
                 <a:solidFill>
                   <a:schemeClr val="dk1"/>
                 </a:solidFill>
-                <a:latin typeface="Roboto"/>
-                <a:ea typeface="Roboto"/>
-                <a:cs typeface="Roboto"/>
-                <a:sym typeface="Roboto"/>
+                <a:latin typeface="Times New Roman"/>
+                <a:ea typeface="Times New Roman"/>
+                <a:cs typeface="Times New Roman"/>
+                <a:sym typeface="Times New Roman"/>
               </a:rPr>
               <a:t> Aunque Canadá no emite tanto CO2 como China o Estados Unidos en términos absolutos, las emisiones per cápita son significativas debido a la extracción de recursos naturales, como el petróleo y el gas.</a:t>
             </a:r>
@@ -7541,10 +9108,10 @@
               <a:solidFill>
                 <a:schemeClr val="dk1"/>
               </a:solidFill>
-              <a:latin typeface="Roboto"/>
-              <a:ea typeface="Roboto"/>
-              <a:cs typeface="Roboto"/>
-              <a:sym typeface="Roboto"/>
+              <a:latin typeface="Times New Roman"/>
+              <a:ea typeface="Times New Roman"/>
+              <a:cs typeface="Times New Roman"/>
+              <a:sym typeface="Times New Roman"/>
             </a:endParaRPr>
           </a:p>
           <a:p>
@@ -7566,10 +9133,10 @@
                 <a:solidFill>
                   <a:schemeClr val="dk1"/>
                 </a:solidFill>
-                <a:latin typeface="Roboto"/>
-                <a:ea typeface="Roboto"/>
-                <a:cs typeface="Roboto"/>
-                <a:sym typeface="Roboto"/>
+                <a:latin typeface="Times New Roman"/>
+                <a:ea typeface="Times New Roman"/>
+                <a:cs typeface="Times New Roman"/>
+                <a:sym typeface="Times New Roman"/>
               </a:rPr>
               <a:t>Estos tres países, junto con otros grandes emisores como la Unión Europea, Rusia e India, desempeñan roles clave en las emisiones globales de CO2. Las políticas, las prácticas industriales y las inversiones en energías renovables y sostenibles en estas naciones pueden tener un impacto significativo en la reducción de las emisiones a nivel mundial.</a:t>
             </a:r>
@@ -7577,10 +9144,10 @@
               <a:solidFill>
                 <a:schemeClr val="dk1"/>
               </a:solidFill>
-              <a:latin typeface="Roboto"/>
-              <a:ea typeface="Roboto"/>
-              <a:cs typeface="Roboto"/>
-              <a:sym typeface="Roboto"/>
+              <a:latin typeface="Times New Roman"/>
+              <a:ea typeface="Times New Roman"/>
+              <a:cs typeface="Times New Roman"/>
+              <a:sym typeface="Times New Roman"/>
             </a:endParaRPr>
           </a:p>
           <a:p>
@@ -7602,10 +9169,10 @@
                 <a:solidFill>
                   <a:schemeClr val="dk1"/>
                 </a:solidFill>
-                <a:latin typeface="Roboto"/>
-                <a:ea typeface="Roboto"/>
-                <a:cs typeface="Roboto"/>
-                <a:sym typeface="Roboto"/>
+                <a:latin typeface="Times New Roman"/>
+                <a:ea typeface="Times New Roman"/>
+                <a:cs typeface="Times New Roman"/>
+                <a:sym typeface="Times New Roman"/>
               </a:rPr>
               <a:t>El conocimiento de los mayores emisores es esencial para abordar el desafío del cambio climático, ya que estrategias dirigidas a reducir las emisiones en estos países pueden tener un impacto sustancial en la mitigación del calentamiento global y sus efectos adversos.</a:t>
             </a:r>
@@ -7613,10 +9180,10 @@
               <a:solidFill>
                 <a:schemeClr val="dk1"/>
               </a:solidFill>
-              <a:latin typeface="Roboto"/>
-              <a:ea typeface="Roboto"/>
-              <a:cs typeface="Roboto"/>
-              <a:sym typeface="Roboto"/>
+              <a:latin typeface="Times New Roman"/>
+              <a:ea typeface="Times New Roman"/>
+              <a:cs typeface="Times New Roman"/>
+              <a:sym typeface="Times New Roman"/>
             </a:endParaRPr>
           </a:p>
           <a:p>
@@ -7636,18 +9203,23 @@
             <a:r>
               <a:t/>
             </a:r>
-            <a:endParaRPr sz="1125"/>
+            <a:endParaRPr sz="1125">
+              <a:latin typeface="Times New Roman"/>
+              <a:ea typeface="Times New Roman"/>
+              <a:cs typeface="Times New Roman"/>
+              <a:sym typeface="Times New Roman"/>
+            </a:endParaRPr>
           </a:p>
         </p:txBody>
       </p:sp>
       <p:pic>
         <p:nvPicPr>
-          <p:cNvPr id="81" name="Google Shape;81;p17"/>
+          <p:cNvPr id="101" name="Google Shape;101;p20"/>
           <p:cNvPicPr preferRelativeResize="0"/>
           <p:nvPr/>
         </p:nvPicPr>
         <p:blipFill>
-          <a:blip r:embed="rId3">
+          <a:blip r:embed="rId4">
             <a:alphaModFix/>
           </a:blip>
           <a:stretch>
@@ -7676,12 +9248,24 @@
 </p:sld>
 </file>
 
-<file path=ppt/slides/slide6.xml><?xml version="1.0" encoding="utf-8"?>
+<file path=ppt/slides/slide9.xml><?xml version="1.0" encoding="utf-8"?>
 <p:sld xmlns:a="http://schemas.openxmlformats.org/drawingml/2006/main" xmlns:r="http://schemas.openxmlformats.org/officeDocument/2006/relationships" xmlns:mc="http://schemas.openxmlformats.org/markup-compatibility/2006" xmlns:mv="urn:schemas-microsoft-com:mac:vml" xmlns:p="http://schemas.openxmlformats.org/presentationml/2006/main" xmlns:c="http://schemas.openxmlformats.org/drawingml/2006/chart" xmlns:dgm="http://schemas.openxmlformats.org/drawingml/2006/diagram" xmlns:o="urn:schemas-microsoft-com:office:office" xmlns:v="urn:schemas-microsoft-com:vml" xmlns:pvml="urn:schemas-microsoft-com:office:powerpoint" xmlns:com="http://schemas.openxmlformats.org/drawingml/2006/compatibility" xmlns:p14="http://schemas.microsoft.com/office/powerpoint/2010/main" xmlns:p15="http://schemas.microsoft.com/office/powerpoint/2012/main" xmlns:ahyp="http://schemas.microsoft.com/office/drawing/2018/hyperlinkcolor">
   <p:cSld>
+    <p:bg>
+      <p:bgPr>
+        <a:blipFill>
+          <a:blip r:embed="rId3">
+            <a:alphaModFix/>
+          </a:blip>
+          <a:stretch>
+            <a:fillRect/>
+          </a:stretch>
+        </a:blipFill>
+      </p:bgPr>
+    </p:bg>
     <p:spTree>
       <p:nvGrpSpPr>
-        <p:cNvPr id="85" name="Shape 85"/>
+        <p:cNvPr id="105" name="Shape 105"/>
         <p:cNvGrpSpPr/>
         <p:nvPr/>
       </p:nvGrpSpPr>
@@ -7695,7 +9279,7 @@
       </p:grpSpPr>
       <p:sp>
         <p:nvSpPr>
-          <p:cNvPr id="86" name="Google Shape;86;p18"/>
+          <p:cNvPr id="106" name="Google Shape;106;p21"/>
           <p:cNvSpPr txBox="1"/>
           <p:nvPr>
             <p:ph type="title"/>
@@ -7740,7 +9324,7 @@
       </p:sp>
       <p:sp>
         <p:nvSpPr>
-          <p:cNvPr id="87" name="Google Shape;87;p18"/>
+          <p:cNvPr id="107" name="Google Shape;107;p21"/>
           <p:cNvSpPr txBox="1"/>
           <p:nvPr>
             <p:ph idx="1" type="body"/>
@@ -7835,7 +9419,7 @@
       </p:sp>
       <p:sp>
         <p:nvSpPr>
-          <p:cNvPr id="88" name="Google Shape;88;p18"/>
+          <p:cNvPr id="108" name="Google Shape;108;p21"/>
           <p:cNvSpPr txBox="1"/>
           <p:nvPr>
             <p:ph idx="1" type="body"/>
@@ -7914,7 +9498,7 @@
       </p:sp>
       <p:sp>
         <p:nvSpPr>
-          <p:cNvPr id="89" name="Google Shape;89;p18"/>
+          <p:cNvPr id="109" name="Google Shape;109;p21"/>
           <p:cNvSpPr txBox="1"/>
           <p:nvPr>
             <p:ph idx="1" type="body"/>
@@ -7922,7 +9506,7 @@
         </p:nvSpPr>
         <p:spPr>
           <a:xfrm>
-            <a:off x="311700" y="2867125"/>
+            <a:off x="311700" y="2707625"/>
             <a:ext cx="2901000" cy="1666800"/>
           </a:xfrm>
           <a:prstGeom prst="rect">
@@ -7945,12 +9529,7 @@
               <a:buNone/>
             </a:pPr>
             <a:r>
-              <a:rPr b="1" lang="es-419" sz="4800">
-                <a:solidFill>
-                  <a:schemeClr val="dk1"/>
-                </a:solidFill>
-              </a:rPr>
-              <a:t>Gradient Boosting :</a:t>
+              <a:t/>
             </a:r>
             <a:endParaRPr b="1" sz="4800">
               <a:solidFill>
@@ -7969,6 +9548,30 @@
               <a:buNone/>
             </a:pPr>
             <a:r>
+              <a:rPr b="1" lang="es-419" sz="4800">
+                <a:solidFill>
+                  <a:schemeClr val="dk1"/>
+                </a:solidFill>
+              </a:rPr>
+              <a:t>Gradient Boosting :</a:t>
+            </a:r>
+            <a:endParaRPr b="1" sz="4800">
+              <a:solidFill>
+                <a:schemeClr val="dk1"/>
+              </a:solidFill>
+            </a:endParaRPr>
+          </a:p>
+          <a:p>
+            <a:pPr indent="0" lvl="0" marL="0" rtl="0" algn="l">
+              <a:spcBef>
+                <a:spcPts val="1200"/>
+              </a:spcBef>
+              <a:spcAft>
+                <a:spcPts val="0"/>
+              </a:spcAft>
+              <a:buNone/>
+            </a:pPr>
+            <a:r>
               <a:rPr lang="es-419" sz="4000">
                 <a:solidFill>
                   <a:schemeClr val="dk1"/>
@@ -8001,13 +9604,13 @@
       </p:sp>
       <p:sp>
         <p:nvSpPr>
-          <p:cNvPr id="90" name="Google Shape;90;p18"/>
+          <p:cNvPr id="110" name="Google Shape;110;p21"/>
           <p:cNvSpPr txBox="1"/>
           <p:nvPr/>
         </p:nvSpPr>
         <p:spPr>
           <a:xfrm>
-            <a:off x="5250600" y="2867125"/>
+            <a:off x="5250600" y="1582800"/>
             <a:ext cx="3581700" cy="1977900"/>
           </a:xfrm>
           <a:prstGeom prst="rect">
@@ -8113,22 +9716,21 @@
       </p:sp>
       <p:pic>
         <p:nvPicPr>
-          <p:cNvPr id="91" name="Google Shape;91;p18"/>
+          <p:cNvPr id="111" name="Google Shape;111;p21"/>
           <p:cNvPicPr preferRelativeResize="0"/>
           <p:nvPr/>
         </p:nvPicPr>
-        <p:blipFill>
-          <a:blip r:embed="rId3">
+        <p:blipFill rotWithShape="1">
+          <a:blip r:embed="rId4">
             <a:alphaModFix/>
           </a:blip>
-          <a:stretch>
-            <a:fillRect/>
-          </a:stretch>
+          <a:srcRect b="-21329" l="-69429" r="105965" t="74707"/>
+          <a:stretch/>
         </p:blipFill>
         <p:spPr>
           <a:xfrm>
-            <a:off x="6174900" y="1056825"/>
-            <a:ext cx="1733100" cy="1733100"/>
+            <a:off x="9273575" y="1899600"/>
+            <a:ext cx="1099924" cy="808026"/>
           </a:xfrm>
           <a:prstGeom prst="rect">
             <a:avLst/>
@@ -8147,110 +9749,286 @@
 </p:sld>
 </file>
 
-<file path=ppt/slides/slide7.xml><?xml version="1.0" encoding="utf-8"?>
-<p:sld xmlns:a="http://schemas.openxmlformats.org/drawingml/2006/main" xmlns:r="http://schemas.openxmlformats.org/officeDocument/2006/relationships" xmlns:mc="http://schemas.openxmlformats.org/markup-compatibility/2006" xmlns:mv="urn:schemas-microsoft-com:mac:vml" xmlns:p="http://schemas.openxmlformats.org/presentationml/2006/main" xmlns:c="http://schemas.openxmlformats.org/drawingml/2006/chart" xmlns:dgm="http://schemas.openxmlformats.org/drawingml/2006/diagram" xmlns:o="urn:schemas-microsoft-com:office:office" xmlns:v="urn:schemas-microsoft-com:vml" xmlns:pvml="urn:schemas-microsoft-com:office:powerpoint" xmlns:com="http://schemas.openxmlformats.org/drawingml/2006/compatibility" xmlns:p14="http://schemas.microsoft.com/office/powerpoint/2010/main" xmlns:p15="http://schemas.microsoft.com/office/powerpoint/2012/main" xmlns:ahyp="http://schemas.microsoft.com/office/drawing/2018/hyperlinkcolor">
-  <p:cSld>
-    <p:spTree>
-      <p:nvGrpSpPr>
-        <p:cNvPr id="95" name="Shape 95"/>
-        <p:cNvGrpSpPr/>
-        <p:nvPr/>
-      </p:nvGrpSpPr>
-      <p:grpSpPr>
-        <a:xfrm>
-          <a:off x="0" y="0"/>
-          <a:ext cx="0" cy="0"/>
-          <a:chOff x="0" y="0"/>
-          <a:chExt cx="0" cy="0"/>
-        </a:xfrm>
-      </p:grpSpPr>
-      <p:sp>
-        <p:nvSpPr>
-          <p:cNvPr id="96" name="Google Shape;96;p19"/>
-          <p:cNvSpPr txBox="1"/>
-          <p:nvPr>
-            <p:ph type="title"/>
-          </p:nvPr>
-        </p:nvSpPr>
-        <p:spPr>
-          <a:xfrm>
-            <a:off x="311700" y="445025"/>
-            <a:ext cx="8520600" cy="572700"/>
-          </a:xfrm>
-          <a:prstGeom prst="rect">
-            <a:avLst/>
-          </a:prstGeom>
-        </p:spPr>
-        <p:txBody>
-          <a:bodyPr anchorCtr="0" anchor="t" bIns="91425" lIns="91425" spcFirstLastPara="1" rIns="91425" wrap="square" tIns="91425">
-            <a:normAutofit fontScale="90000"/>
-          </a:bodyPr>
-          <a:lstStyle/>
-          <a:p>
-            <a:pPr indent="0" lvl="0" marL="0" rtl="0" algn="l">
-              <a:spcBef>
-                <a:spcPts val="0"/>
-              </a:spcBef>
-              <a:spcAft>
-                <a:spcPts val="0"/>
-              </a:spcAft>
-              <a:buNone/>
-            </a:pPr>
-            <a:r>
-              <a:t/>
-            </a:r>
-            <a:endParaRPr/>
-          </a:p>
-        </p:txBody>
-      </p:sp>
-      <p:sp>
-        <p:nvSpPr>
-          <p:cNvPr id="97" name="Google Shape;97;p19"/>
-          <p:cNvSpPr txBox="1"/>
-          <p:nvPr>
-            <p:ph idx="1" type="body"/>
-          </p:nvPr>
-        </p:nvSpPr>
-        <p:spPr>
-          <a:xfrm>
-            <a:off x="311700" y="1152475"/>
-            <a:ext cx="8520600" cy="3416400"/>
-          </a:xfrm>
-          <a:prstGeom prst="rect">
-            <a:avLst/>
-          </a:prstGeom>
-        </p:spPr>
-        <p:txBody>
-          <a:bodyPr anchorCtr="0" anchor="t" bIns="91425" lIns="91425" spcFirstLastPara="1" rIns="91425" wrap="square" tIns="91425">
-            <a:normAutofit/>
-          </a:bodyPr>
-          <a:lstStyle/>
-          <a:p>
-            <a:pPr indent="0" lvl="0" marL="0" rtl="0" algn="l">
-              <a:spcBef>
-                <a:spcPts val="0"/>
-              </a:spcBef>
-              <a:spcAft>
-                <a:spcPts val="1200"/>
-              </a:spcAft>
-              <a:buNone/>
-            </a:pPr>
-            <a:r>
-              <a:t/>
-            </a:r>
-            <a:endParaRPr/>
-          </a:p>
-        </p:txBody>
-      </p:sp>
-    </p:spTree>
-  </p:cSld>
-  <p:clrMapOvr>
-    <a:masterClrMapping/>
-  </p:clrMapOvr>
-</p:sld>
+<file path=ppt/theme/theme1.xml><?xml version="1.0" encoding="utf-8"?>
+<a:theme xmlns:a="http://schemas.openxmlformats.org/drawingml/2006/main" xmlns:r="http://schemas.openxmlformats.org/officeDocument/2006/relationships">
+  <a:themeElements>
+    <a:clrScheme name="Default">
+      <a:dk1>
+        <a:srgbClr val="000000"/>
+      </a:dk1>
+      <a:lt1>
+        <a:srgbClr val="FFFFFF"/>
+      </a:lt1>
+      <a:dk2>
+        <a:srgbClr val="158158"/>
+      </a:dk2>
+      <a:lt2>
+        <a:srgbClr val="F3F3F3"/>
+      </a:lt2>
+      <a:accent1>
+        <a:srgbClr val="058DC7"/>
+      </a:accent1>
+      <a:accent2>
+        <a:srgbClr val="50B432"/>
+      </a:accent2>
+      <a:accent3>
+        <a:srgbClr val="ED561B"/>
+      </a:accent3>
+      <a:accent4>
+        <a:srgbClr val="EDEF00"/>
+      </a:accent4>
+      <a:accent5>
+        <a:srgbClr val="24CBE5"/>
+      </a:accent5>
+      <a:accent6>
+        <a:srgbClr val="64E572"/>
+      </a:accent6>
+      <a:hlink>
+        <a:srgbClr val="2200CC"/>
+      </a:hlink>
+      <a:folHlink>
+        <a:srgbClr val="551A8B"/>
+      </a:folHlink>
+    </a:clrScheme>
+    <a:fontScheme name="Office">
+      <a:majorFont>
+        <a:latin typeface="Arial"/>
+        <a:ea typeface=""/>
+        <a:cs typeface=""/>
+        <a:font script="Jpan" typeface="ＭＳ Ｐゴシック"/>
+        <a:font script="Hang" typeface="맑은 고딕"/>
+        <a:font script="Hans" typeface="宋体"/>
+        <a:font script="Hant" typeface="新細明體"/>
+        <a:font script="Arab" typeface="Times New Roman"/>
+        <a:font script="Hebr" typeface="Times New Roman"/>
+        <a:font script="Thai" typeface="Angsana New"/>
+        <a:font script="Ethi" typeface="Nyala"/>
+        <a:font script="Beng" typeface="Vrinda"/>
+        <a:font script="Gujr" typeface="Shruti"/>
+        <a:font script="Khmr" typeface="MoolBoran"/>
+        <a:font script="Knda" typeface="Tunga"/>
+        <a:font script="Guru" typeface="Raavi"/>
+        <a:font script="Cans" typeface="Euphemia"/>
+        <a:font script="Cher" typeface="Plantagenet Cherokee"/>
+        <a:font script="Yiii" typeface="Microsoft Yi Baiti"/>
+        <a:font script="Tibt" typeface="Microsoft Himalaya"/>
+        <a:font script="Thaa" typeface="MV Boli"/>
+        <a:font script="Deva" typeface="Mangal"/>
+        <a:font script="Telu" typeface="Gautami"/>
+        <a:font script="Taml" typeface="Latha"/>
+        <a:font script="Syrc" typeface="Estrangelo Edessa"/>
+        <a:font script="Orya" typeface="Kalinga"/>
+        <a:font script="Mlym" typeface="Kartika"/>
+        <a:font script="Laoo" typeface="DokChampa"/>
+        <a:font script="Sinh" typeface="Iskoola Pota"/>
+        <a:font script="Mong" typeface="Mongolian Baiti"/>
+        <a:font script="Viet" typeface="Times New Roman"/>
+        <a:font script="Uigh" typeface="Microsoft Uighur"/>
+        <a:font script="Geor" typeface="Sylfaen"/>
+      </a:majorFont>
+      <a:minorFont>
+        <a:latin typeface="Arial"/>
+        <a:ea typeface=""/>
+        <a:cs typeface=""/>
+        <a:font script="Jpan" typeface="ＭＳ Ｐゴシック"/>
+        <a:font script="Hang" typeface="맑은 고딕"/>
+        <a:font script="Hans" typeface="宋体"/>
+        <a:font script="Hant" typeface="新細明體"/>
+        <a:font script="Arab" typeface="Arial"/>
+        <a:font script="Hebr" typeface="Arial"/>
+        <a:font script="Thai" typeface="Cordia New"/>
+        <a:font script="Ethi" typeface="Nyala"/>
+        <a:font script="Beng" typeface="Vrinda"/>
+        <a:font script="Gujr" typeface="Shruti"/>
+        <a:font script="Khmr" typeface="DaunPenh"/>
+        <a:font script="Knda" typeface="Tunga"/>
+        <a:font script="Guru" typeface="Raavi"/>
+        <a:font script="Cans" typeface="Euphemia"/>
+        <a:font script="Cher" typeface="Plantagenet Cherokee"/>
+        <a:font script="Yiii" typeface="Microsoft Yi Baiti"/>
+        <a:font script="Tibt" typeface="Microsoft Himalaya"/>
+        <a:font script="Thaa" typeface="MV Boli"/>
+        <a:font script="Deva" typeface="Mangal"/>
+        <a:font script="Telu" typeface="Gautami"/>
+        <a:font script="Taml" typeface="Latha"/>
+        <a:font script="Syrc" typeface="Estrangelo Edessa"/>
+        <a:font script="Orya" typeface="Kalinga"/>
+        <a:font script="Mlym" typeface="Kartika"/>
+        <a:font script="Laoo" typeface="DokChampa"/>
+        <a:font script="Sinh" typeface="Iskoola Pota"/>
+        <a:font script="Mong" typeface="Mongolian Baiti"/>
+        <a:font script="Viet" typeface="Arial"/>
+        <a:font script="Uigh" typeface="Microsoft Uighur"/>
+        <a:font script="Geor" typeface="Sylfaen"/>
+      </a:minorFont>
+    </a:fontScheme>
+    <a:fmtScheme name="Office">
+      <a:fillStyleLst>
+        <a:solidFill>
+          <a:schemeClr val="phClr"/>
+        </a:solidFill>
+        <a:gradFill rotWithShape="1">
+          <a:gsLst>
+            <a:gs pos="0">
+              <a:schemeClr val="phClr">
+                <a:tint val="50000"/>
+                <a:satMod val="300000"/>
+              </a:schemeClr>
+            </a:gs>
+            <a:gs pos="35000">
+              <a:schemeClr val="phClr">
+                <a:tint val="37000"/>
+                <a:satMod val="300000"/>
+              </a:schemeClr>
+            </a:gs>
+            <a:gs pos="100000">
+              <a:schemeClr val="phClr">
+                <a:tint val="15000"/>
+                <a:satMod val="350000"/>
+              </a:schemeClr>
+            </a:gs>
+          </a:gsLst>
+          <a:lin ang="16200000" scaled="1"/>
+        </a:gradFill>
+        <a:gradFill rotWithShape="1">
+          <a:gsLst>
+            <a:gs pos="0">
+              <a:schemeClr val="phClr">
+                <a:tint val="100000"/>
+                <a:shade val="100000"/>
+                <a:satMod val="130000"/>
+              </a:schemeClr>
+            </a:gs>
+            <a:gs pos="100000">
+              <a:schemeClr val="phClr">
+                <a:tint val="50000"/>
+                <a:shade val="100000"/>
+                <a:satMod val="350000"/>
+              </a:schemeClr>
+            </a:gs>
+          </a:gsLst>
+          <a:lin ang="16200000" scaled="0"/>
+        </a:gradFill>
+      </a:fillStyleLst>
+      <a:lnStyleLst>
+        <a:ln w="9525" cap="flat" cmpd="sng" algn="ctr">
+          <a:solidFill>
+            <a:schemeClr val="phClr">
+              <a:shade val="95000"/>
+              <a:satMod val="105000"/>
+            </a:schemeClr>
+          </a:solidFill>
+          <a:prstDash val="solid"/>
+        </a:ln>
+        <a:ln w="25400" cap="flat" cmpd="sng" algn="ctr">
+          <a:solidFill>
+            <a:schemeClr val="phClr"/>
+          </a:solidFill>
+          <a:prstDash val="solid"/>
+        </a:ln>
+        <a:ln w="38100" cap="flat" cmpd="sng" algn="ctr">
+          <a:solidFill>
+            <a:schemeClr val="phClr"/>
+          </a:solidFill>
+          <a:prstDash val="solid"/>
+        </a:ln>
+      </a:lnStyleLst>
+      <a:effectStyleLst>
+        <a:effectStyle>
+          <a:effectLst>
+            <a:outerShdw blurRad="40000" dist="20000" dir="5400000" rotWithShape="0">
+              <a:srgbClr val="000000">
+                <a:alpha val="38000"/>
+              </a:srgbClr>
+            </a:outerShdw>
+          </a:effectLst>
+        </a:effectStyle>
+        <a:effectStyle>
+          <a:effectLst>
+            <a:outerShdw blurRad="40000" dist="23000" dir="5400000" rotWithShape="0">
+              <a:srgbClr val="000000">
+                <a:alpha val="35000"/>
+              </a:srgbClr>
+            </a:outerShdw>
+          </a:effectLst>
+        </a:effectStyle>
+        <a:effectStyle>
+          <a:effectLst>
+            <a:outerShdw blurRad="40000" dist="23000" dir="5400000" rotWithShape="0">
+              <a:srgbClr val="000000">
+                <a:alpha val="35000"/>
+              </a:srgbClr>
+            </a:outerShdw>
+          </a:effectLst>
+          <a:scene3d>
+            <a:camera prst="orthographicFront">
+              <a:rot lat="0" lon="0" rev="0"/>
+            </a:camera>
+            <a:lightRig rig="threePt" dir="t">
+              <a:rot lat="0" lon="0" rev="1200000"/>
+            </a:lightRig>
+          </a:scene3d>
+          <a:sp3d>
+            <a:bevelT w="63500" h="25400"/>
+          </a:sp3d>
+        </a:effectStyle>
+      </a:effectStyleLst>
+      <a:bgFillStyleLst>
+        <a:solidFill>
+          <a:schemeClr val="phClr"/>
+        </a:solidFill>
+        <a:gradFill rotWithShape="1">
+          <a:gsLst>
+            <a:gs pos="0">
+              <a:schemeClr val="phClr">
+                <a:tint val="40000"/>
+                <a:satMod val="350000"/>
+              </a:schemeClr>
+            </a:gs>
+            <a:gs pos="40000">
+              <a:schemeClr val="phClr">
+                <a:tint val="45000"/>
+                <a:shade val="99000"/>
+                <a:satMod val="350000"/>
+              </a:schemeClr>
+            </a:gs>
+            <a:gs pos="100000">
+              <a:schemeClr val="phClr">
+                <a:shade val="20000"/>
+                <a:satMod val="255000"/>
+              </a:schemeClr>
+            </a:gs>
+          </a:gsLst>
+          <a:path path="circle">
+            <a:fillToRect l="50000" t="-80000" r="50000" b="180000"/>
+          </a:path>
+        </a:gradFill>
+        <a:gradFill rotWithShape="1">
+          <a:gsLst>
+            <a:gs pos="0">
+              <a:schemeClr val="phClr">
+                <a:tint val="80000"/>
+                <a:satMod val="300000"/>
+              </a:schemeClr>
+            </a:gs>
+            <a:gs pos="100000">
+              <a:schemeClr val="phClr">
+                <a:shade val="30000"/>
+                <a:satMod val="200000"/>
+              </a:schemeClr>
+            </a:gs>
+          </a:gsLst>
+          <a:path path="circle">
+            <a:fillToRect l="50000" t="50000" r="50000" b="50000"/>
+          </a:path>
+        </a:gradFill>
+      </a:bgFillStyleLst>
+    </a:fmtScheme>
+  </a:themeElements>
+</a:theme>
 </file>
 
-<file path=ppt/theme/theme1.xml><?xml version="1.0" encoding="utf-8"?>
+<file path=ppt/theme/theme2.xml><?xml version="1.0" encoding="utf-8"?>
 <a:theme xmlns:a="http://schemas.openxmlformats.org/drawingml/2006/main" xmlns:r="http://schemas.openxmlformats.org/officeDocument/2006/relationships" name="Simple Dark">
   <a:themeElements>
     <a:clrScheme name="Simple Dark">
@@ -8527,283 +10305,4 @@
     </a:fmtScheme>
   </a:themeElements>
 </a:theme>
-</file>
-
-<file path=ppt/theme/theme2.xml><?xml version="1.0" encoding="utf-8"?>
-<a:theme xmlns:a="http://schemas.openxmlformats.org/drawingml/2006/main" xmlns:r="http://schemas.openxmlformats.org/officeDocument/2006/relationships">
-  <a:themeElements>
-    <a:clrScheme name="Default">
-      <a:dk1>
-        <a:srgbClr val="000000"/>
-      </a:dk1>
-      <a:lt1>
-        <a:srgbClr val="FFFFFF"/>
-      </a:lt1>
-      <a:dk2>
-        <a:srgbClr val="158158"/>
-      </a:dk2>
-      <a:lt2>
-        <a:srgbClr val="F3F3F3"/>
-      </a:lt2>
-      <a:accent1>
-        <a:srgbClr val="058DC7"/>
-      </a:accent1>
-      <a:accent2>
-        <a:srgbClr val="50B432"/>
-      </a:accent2>
-      <a:accent3>
-        <a:srgbClr val="ED561B"/>
-      </a:accent3>
-      <a:accent4>
-        <a:srgbClr val="EDEF00"/>
-      </a:accent4>
-      <a:accent5>
-        <a:srgbClr val="24CBE5"/>
-      </a:accent5>
-      <a:accent6>
-        <a:srgbClr val="64E572"/>
-      </a:accent6>
-      <a:hlink>
-        <a:srgbClr val="2200CC"/>
-      </a:hlink>
-      <a:folHlink>
-        <a:srgbClr val="551A8B"/>
-      </a:folHlink>
-    </a:clrScheme>
-    <a:fontScheme name="Office">
-      <a:majorFont>
-        <a:latin typeface="Arial"/>
-        <a:ea typeface=""/>
-        <a:cs typeface=""/>
-        <a:font script="Jpan" typeface="ＭＳ Ｐゴシック"/>
-        <a:font script="Hang" typeface="맑은 고딕"/>
-        <a:font script="Hans" typeface="宋体"/>
-        <a:font script="Hant" typeface="新細明體"/>
-        <a:font script="Arab" typeface="Times New Roman"/>
-        <a:font script="Hebr" typeface="Times New Roman"/>
-        <a:font script="Thai" typeface="Angsana New"/>
-        <a:font script="Ethi" typeface="Nyala"/>
-        <a:font script="Beng" typeface="Vrinda"/>
-        <a:font script="Gujr" typeface="Shruti"/>
-        <a:font script="Khmr" typeface="MoolBoran"/>
-        <a:font script="Knda" typeface="Tunga"/>
-        <a:font script="Guru" typeface="Raavi"/>
-        <a:font script="Cans" typeface="Euphemia"/>
-        <a:font script="Cher" typeface="Plantagenet Cherokee"/>
-        <a:font script="Yiii" typeface="Microsoft Yi Baiti"/>
-        <a:font script="Tibt" typeface="Microsoft Himalaya"/>
-        <a:font script="Thaa" typeface="MV Boli"/>
-        <a:font script="Deva" typeface="Mangal"/>
-        <a:font script="Telu" typeface="Gautami"/>
-        <a:font script="Taml" typeface="Latha"/>
-        <a:font script="Syrc" typeface="Estrangelo Edessa"/>
-        <a:font script="Orya" typeface="Kalinga"/>
-        <a:font script="Mlym" typeface="Kartika"/>
-        <a:font script="Laoo" typeface="DokChampa"/>
-        <a:font script="Sinh" typeface="Iskoola Pota"/>
-        <a:font script="Mong" typeface="Mongolian Baiti"/>
-        <a:font script="Viet" typeface="Times New Roman"/>
-        <a:font script="Uigh" typeface="Microsoft Uighur"/>
-        <a:font script="Geor" typeface="Sylfaen"/>
-      </a:majorFont>
-      <a:minorFont>
-        <a:latin typeface="Arial"/>
-        <a:ea typeface=""/>
-        <a:cs typeface=""/>
-        <a:font script="Jpan" typeface="ＭＳ Ｐゴシック"/>
-        <a:font script="Hang" typeface="맑은 고딕"/>
-        <a:font script="Hans" typeface="宋体"/>
-        <a:font script="Hant" typeface="新細明體"/>
-        <a:font script="Arab" typeface="Arial"/>
-        <a:font script="Hebr" typeface="Arial"/>
-        <a:font script="Thai" typeface="Cordia New"/>
-        <a:font script="Ethi" typeface="Nyala"/>
-        <a:font script="Beng" typeface="Vrinda"/>
-        <a:font script="Gujr" typeface="Shruti"/>
-        <a:font script="Khmr" typeface="DaunPenh"/>
-        <a:font script="Knda" typeface="Tunga"/>
-        <a:font script="Guru" typeface="Raavi"/>
-        <a:font script="Cans" typeface="Euphemia"/>
-        <a:font script="Cher" typeface="Plantagenet Cherokee"/>
-        <a:font script="Yiii" typeface="Microsoft Yi Baiti"/>
-        <a:font script="Tibt" typeface="Microsoft Himalaya"/>
-        <a:font script="Thaa" typeface="MV Boli"/>
-        <a:font script="Deva" typeface="Mangal"/>
-        <a:font script="Telu" typeface="Gautami"/>
-        <a:font script="Taml" typeface="Latha"/>
-        <a:font script="Syrc" typeface="Estrangelo Edessa"/>
-        <a:font script="Orya" typeface="Kalinga"/>
-        <a:font script="Mlym" typeface="Kartika"/>
-        <a:font script="Laoo" typeface="DokChampa"/>
-        <a:font script="Sinh" typeface="Iskoola Pota"/>
-        <a:font script="Mong" typeface="Mongolian Baiti"/>
-        <a:font script="Viet" typeface="Arial"/>
-        <a:font script="Uigh" typeface="Microsoft Uighur"/>
-        <a:font script="Geor" typeface="Sylfaen"/>
-      </a:minorFont>
-    </a:fontScheme>
-    <a:fmtScheme name="Office">
-      <a:fillStyleLst>
-        <a:solidFill>
-          <a:schemeClr val="phClr"/>
-        </a:solidFill>
-        <a:gradFill rotWithShape="1">
-          <a:gsLst>
-            <a:gs pos="0">
-              <a:schemeClr val="phClr">
-                <a:tint val="50000"/>
-                <a:satMod val="300000"/>
-              </a:schemeClr>
-            </a:gs>
-            <a:gs pos="35000">
-              <a:schemeClr val="phClr">
-                <a:tint val="37000"/>
-                <a:satMod val="300000"/>
-              </a:schemeClr>
-            </a:gs>
-            <a:gs pos="100000">
-              <a:schemeClr val="phClr">
-                <a:tint val="15000"/>
-                <a:satMod val="350000"/>
-              </a:schemeClr>
-            </a:gs>
-          </a:gsLst>
-          <a:lin ang="16200000" scaled="1"/>
-        </a:gradFill>
-        <a:gradFill rotWithShape="1">
-          <a:gsLst>
-            <a:gs pos="0">
-              <a:schemeClr val="phClr">
-                <a:tint val="100000"/>
-                <a:shade val="100000"/>
-                <a:satMod val="130000"/>
-              </a:schemeClr>
-            </a:gs>
-            <a:gs pos="100000">
-              <a:schemeClr val="phClr">
-                <a:tint val="50000"/>
-                <a:shade val="100000"/>
-                <a:satMod val="350000"/>
-              </a:schemeClr>
-            </a:gs>
-          </a:gsLst>
-          <a:lin ang="16200000" scaled="0"/>
-        </a:gradFill>
-      </a:fillStyleLst>
-      <a:lnStyleLst>
-        <a:ln w="9525" cap="flat" cmpd="sng" algn="ctr">
-          <a:solidFill>
-            <a:schemeClr val="phClr">
-              <a:shade val="95000"/>
-              <a:satMod val="105000"/>
-            </a:schemeClr>
-          </a:solidFill>
-          <a:prstDash val="solid"/>
-        </a:ln>
-        <a:ln w="25400" cap="flat" cmpd="sng" algn="ctr">
-          <a:solidFill>
-            <a:schemeClr val="phClr"/>
-          </a:solidFill>
-          <a:prstDash val="solid"/>
-        </a:ln>
-        <a:ln w="38100" cap="flat" cmpd="sng" algn="ctr">
-          <a:solidFill>
-            <a:schemeClr val="phClr"/>
-          </a:solidFill>
-          <a:prstDash val="solid"/>
-        </a:ln>
-      </a:lnStyleLst>
-      <a:effectStyleLst>
-        <a:effectStyle>
-          <a:effectLst>
-            <a:outerShdw blurRad="40000" dist="20000" dir="5400000" rotWithShape="0">
-              <a:srgbClr val="000000">
-                <a:alpha val="38000"/>
-              </a:srgbClr>
-            </a:outerShdw>
-          </a:effectLst>
-        </a:effectStyle>
-        <a:effectStyle>
-          <a:effectLst>
-            <a:outerShdw blurRad="40000" dist="23000" dir="5400000" rotWithShape="0">
-              <a:srgbClr val="000000">
-                <a:alpha val="35000"/>
-              </a:srgbClr>
-            </a:outerShdw>
-          </a:effectLst>
-        </a:effectStyle>
-        <a:effectStyle>
-          <a:effectLst>
-            <a:outerShdw blurRad="40000" dist="23000" dir="5400000" rotWithShape="0">
-              <a:srgbClr val="000000">
-                <a:alpha val="35000"/>
-              </a:srgbClr>
-            </a:outerShdw>
-          </a:effectLst>
-          <a:scene3d>
-            <a:camera prst="orthographicFront">
-              <a:rot lat="0" lon="0" rev="0"/>
-            </a:camera>
-            <a:lightRig rig="threePt" dir="t">
-              <a:rot lat="0" lon="0" rev="1200000"/>
-            </a:lightRig>
-          </a:scene3d>
-          <a:sp3d>
-            <a:bevelT w="63500" h="25400"/>
-          </a:sp3d>
-        </a:effectStyle>
-      </a:effectStyleLst>
-      <a:bgFillStyleLst>
-        <a:solidFill>
-          <a:schemeClr val="phClr"/>
-        </a:solidFill>
-        <a:gradFill rotWithShape="1">
-          <a:gsLst>
-            <a:gs pos="0">
-              <a:schemeClr val="phClr">
-                <a:tint val="40000"/>
-                <a:satMod val="350000"/>
-              </a:schemeClr>
-            </a:gs>
-            <a:gs pos="40000">
-              <a:schemeClr val="phClr">
-                <a:tint val="45000"/>
-                <a:shade val="99000"/>
-                <a:satMod val="350000"/>
-              </a:schemeClr>
-            </a:gs>
-            <a:gs pos="100000">
-              <a:schemeClr val="phClr">
-                <a:shade val="20000"/>
-                <a:satMod val="255000"/>
-              </a:schemeClr>
-            </a:gs>
-          </a:gsLst>
-          <a:path path="circle">
-            <a:fillToRect l="50000" t="-80000" r="50000" b="180000"/>
-          </a:path>
-        </a:gradFill>
-        <a:gradFill rotWithShape="1">
-          <a:gsLst>
-            <a:gs pos="0">
-              <a:schemeClr val="phClr">
-                <a:tint val="80000"/>
-                <a:satMod val="300000"/>
-              </a:schemeClr>
-            </a:gs>
-            <a:gs pos="100000">
-              <a:schemeClr val="phClr">
-                <a:shade val="30000"/>
-                <a:satMod val="200000"/>
-              </a:schemeClr>
-            </a:gs>
-          </a:gsLst>
-          <a:path path="circle">
-            <a:fillToRect l="50000" t="50000" r="50000" b="50000"/>
-          </a:path>
-        </a:gradFill>
-      </a:bgFillStyleLst>
-    </a:fmtScheme>
-  </a:themeElements>
-</a:theme>
 </file>